--- a/theorie/programmeren/3-Functies.pptx
+++ b/theorie/programmeren/3-Functies.pptx
@@ -18,6 +18,8 @@
     <p:sldId id="263" r:id="rId13"/>
     <p:sldId id="264" r:id="rId14"/>
     <p:sldId id="265" r:id="rId15"/>
+    <p:sldId id="266" r:id="rId16"/>
+    <p:sldId id="267" r:id="rId17"/>
   </p:sldIdLst>
   <p:sldSz cy="5143500" cx="9144000"/>
   <p:notesSz cx="6858000" cy="9144000"/>
@@ -799,7 +801,7 @@
   <p:cSld>
     <p:spTree>
       <p:nvGrpSpPr>
-        <p:cNvPr id="116" name="Shape 116"/>
+        <p:cNvPr id="133" name="Shape 133"/>
         <p:cNvGrpSpPr/>
         <p:nvPr/>
       </p:nvGrpSpPr>
@@ -813,7 +815,7 @@
       </p:grpSpPr>
       <p:sp>
         <p:nvSpPr>
-          <p:cNvPr id="117" name="Google Shape;117;g3b93ddab9eb_0_59:notes"/>
+          <p:cNvPr id="134" name="Google Shape;134;g3b93ddab9eb_0_36:notes"/>
           <p:cNvSpPr/>
           <p:nvPr>
             <p:ph idx="2" type="sldImg"/>
@@ -848,7 +850,205 @@
       </p:sp>
       <p:sp>
         <p:nvSpPr>
-          <p:cNvPr id="118" name="Google Shape;118;g3b93ddab9eb_0_59:notes"/>
+          <p:cNvPr id="135" name="Google Shape;135;g3b93ddab9eb_0_36:notes"/>
+          <p:cNvSpPr txBox="1"/>
+          <p:nvPr>
+            <p:ph idx="1" type="body"/>
+          </p:nvPr>
+        </p:nvSpPr>
+        <p:spPr>
+          <a:xfrm>
+            <a:off x="685800" y="4343400"/>
+            <a:ext cx="5486400" cy="4114800"/>
+          </a:xfrm>
+          <a:prstGeom prst="rect">
+            <a:avLst/>
+          </a:prstGeom>
+        </p:spPr>
+        <p:txBody>
+          <a:bodyPr anchorCtr="0" anchor="t" bIns="91425" lIns="91425" spcFirstLastPara="1" rIns="91425" wrap="square" tIns="91425">
+            <a:noAutofit/>
+          </a:bodyPr>
+          <a:lstStyle/>
+          <a:p>
+            <a:pPr indent="0" lvl="0" marL="0" rtl="0" algn="l">
+              <a:spcBef>
+                <a:spcPts val="0"/>
+              </a:spcBef>
+              <a:spcAft>
+                <a:spcPts val="0"/>
+              </a:spcAft>
+              <a:buNone/>
+            </a:pPr>
+            <a:r>
+              <a:t/>
+            </a:r>
+            <a:endParaRPr/>
+          </a:p>
+        </p:txBody>
+      </p:sp>
+    </p:spTree>
+  </p:cSld>
+  <p:clrMapOvr>
+    <a:masterClrMapping/>
+  </p:clrMapOvr>
+</p:notes>
+</file>
+
+<file path=ppt/notesSlides/notesSlide11.xml><?xml version="1.0" encoding="utf-8"?>
+<p:notes xmlns:a="http://schemas.openxmlformats.org/drawingml/2006/main" xmlns:r="http://schemas.openxmlformats.org/officeDocument/2006/relationships" xmlns:mc="http://schemas.openxmlformats.org/markup-compatibility/2006" xmlns:mv="urn:schemas-microsoft-com:mac:vml" xmlns:p="http://schemas.openxmlformats.org/presentationml/2006/main" xmlns:c="http://schemas.openxmlformats.org/drawingml/2006/chart" xmlns:dgm="http://schemas.openxmlformats.org/drawingml/2006/diagram" xmlns:o="urn:schemas-microsoft-com:office:office" xmlns:v="urn:schemas-microsoft-com:vml" xmlns:pvml="urn:schemas-microsoft-com:office:powerpoint" xmlns:com="http://schemas.openxmlformats.org/drawingml/2006/compatibility" xmlns:p14="http://schemas.microsoft.com/office/powerpoint/2010/main" xmlns:p15="http://schemas.microsoft.com/office/powerpoint/2012/main" xmlns:ahyp="http://schemas.microsoft.com/office/drawing/2018/hyperlinkcolor" showMasterPhAnim="0" showMasterSp="0">
+  <p:cSld>
+    <p:spTree>
+      <p:nvGrpSpPr>
+        <p:cNvPr id="140" name="Shape 140"/>
+        <p:cNvGrpSpPr/>
+        <p:nvPr/>
+      </p:nvGrpSpPr>
+      <p:grpSpPr>
+        <a:xfrm>
+          <a:off x="0" y="0"/>
+          <a:ext cx="0" cy="0"/>
+          <a:chOff x="0" y="0"/>
+          <a:chExt cx="0" cy="0"/>
+        </a:xfrm>
+      </p:grpSpPr>
+      <p:sp>
+        <p:nvSpPr>
+          <p:cNvPr id="141" name="Google Shape;141;g3b93ddab9eb_0_44:notes"/>
+          <p:cNvSpPr/>
+          <p:nvPr>
+            <p:ph idx="2" type="sldImg"/>
+          </p:nvPr>
+        </p:nvSpPr>
+        <p:spPr>
+          <a:xfrm>
+            <a:off x="381300" y="685800"/>
+            <a:ext cx="6096000" cy="3429000"/>
+          </a:xfrm>
+          <a:custGeom>
+            <a:rect b="b" l="l" r="r" t="t"/>
+            <a:pathLst>
+              <a:path extrusionOk="0" h="120000" w="120000">
+                <a:moveTo>
+                  <a:pt x="0" y="0"/>
+                </a:moveTo>
+                <a:lnTo>
+                  <a:pt x="120000" y="0"/>
+                </a:lnTo>
+                <a:lnTo>
+                  <a:pt x="120000" y="120000"/>
+                </a:lnTo>
+                <a:lnTo>
+                  <a:pt x="0" y="120000"/>
+                </a:lnTo>
+                <a:close/>
+              </a:path>
+            </a:pathLst>
+          </a:custGeom>
+        </p:spPr>
+      </p:sp>
+      <p:sp>
+        <p:nvSpPr>
+          <p:cNvPr id="142" name="Google Shape;142;g3b93ddab9eb_0_44:notes"/>
+          <p:cNvSpPr txBox="1"/>
+          <p:nvPr>
+            <p:ph idx="1" type="body"/>
+          </p:nvPr>
+        </p:nvSpPr>
+        <p:spPr>
+          <a:xfrm>
+            <a:off x="685800" y="4343400"/>
+            <a:ext cx="5486400" cy="4114800"/>
+          </a:xfrm>
+          <a:prstGeom prst="rect">
+            <a:avLst/>
+          </a:prstGeom>
+        </p:spPr>
+        <p:txBody>
+          <a:bodyPr anchorCtr="0" anchor="t" bIns="91425" lIns="91425" spcFirstLastPara="1" rIns="91425" wrap="square" tIns="91425">
+            <a:noAutofit/>
+          </a:bodyPr>
+          <a:lstStyle/>
+          <a:p>
+            <a:pPr indent="0" lvl="0" marL="0" rtl="0" algn="l">
+              <a:spcBef>
+                <a:spcPts val="0"/>
+              </a:spcBef>
+              <a:spcAft>
+                <a:spcPts val="0"/>
+              </a:spcAft>
+              <a:buNone/>
+            </a:pPr>
+            <a:r>
+              <a:t/>
+            </a:r>
+            <a:endParaRPr/>
+          </a:p>
+        </p:txBody>
+      </p:sp>
+    </p:spTree>
+  </p:cSld>
+  <p:clrMapOvr>
+    <a:masterClrMapping/>
+  </p:clrMapOvr>
+</p:notes>
+</file>
+
+<file path=ppt/notesSlides/notesSlide12.xml><?xml version="1.0" encoding="utf-8"?>
+<p:notes xmlns:a="http://schemas.openxmlformats.org/drawingml/2006/main" xmlns:r="http://schemas.openxmlformats.org/officeDocument/2006/relationships" xmlns:mc="http://schemas.openxmlformats.org/markup-compatibility/2006" xmlns:mv="urn:schemas-microsoft-com:mac:vml" xmlns:p="http://schemas.openxmlformats.org/presentationml/2006/main" xmlns:c="http://schemas.openxmlformats.org/drawingml/2006/chart" xmlns:dgm="http://schemas.openxmlformats.org/drawingml/2006/diagram" xmlns:o="urn:schemas-microsoft-com:office:office" xmlns:v="urn:schemas-microsoft-com:vml" xmlns:pvml="urn:schemas-microsoft-com:office:powerpoint" xmlns:com="http://schemas.openxmlformats.org/drawingml/2006/compatibility" xmlns:p14="http://schemas.microsoft.com/office/powerpoint/2010/main" xmlns:p15="http://schemas.microsoft.com/office/powerpoint/2012/main" xmlns:ahyp="http://schemas.microsoft.com/office/drawing/2018/hyperlinkcolor" showMasterPhAnim="0" showMasterSp="0">
+  <p:cSld>
+    <p:spTree>
+      <p:nvGrpSpPr>
+        <p:cNvPr id="146" name="Shape 146"/>
+        <p:cNvGrpSpPr/>
+        <p:nvPr/>
+      </p:nvGrpSpPr>
+      <p:grpSpPr>
+        <a:xfrm>
+          <a:off x="0" y="0"/>
+          <a:ext cx="0" cy="0"/>
+          <a:chOff x="0" y="0"/>
+          <a:chExt cx="0" cy="0"/>
+        </a:xfrm>
+      </p:grpSpPr>
+      <p:sp>
+        <p:nvSpPr>
+          <p:cNvPr id="147" name="Google Shape;147;g3b93ddab9eb_0_59:notes"/>
+          <p:cNvSpPr/>
+          <p:nvPr>
+            <p:ph idx="2" type="sldImg"/>
+          </p:nvPr>
+        </p:nvSpPr>
+        <p:spPr>
+          <a:xfrm>
+            <a:off x="381300" y="685800"/>
+            <a:ext cx="6096000" cy="3429000"/>
+          </a:xfrm>
+          <a:custGeom>
+            <a:rect b="b" l="l" r="r" t="t"/>
+            <a:pathLst>
+              <a:path extrusionOk="0" h="120000" w="120000">
+                <a:moveTo>
+                  <a:pt x="0" y="0"/>
+                </a:moveTo>
+                <a:lnTo>
+                  <a:pt x="120000" y="0"/>
+                </a:lnTo>
+                <a:lnTo>
+                  <a:pt x="120000" y="120000"/>
+                </a:lnTo>
+                <a:lnTo>
+                  <a:pt x="0" y="120000"/>
+                </a:lnTo>
+                <a:close/>
+              </a:path>
+            </a:pathLst>
+          </a:custGeom>
+        </p:spPr>
+      </p:sp>
+      <p:sp>
+        <p:nvSpPr>
+          <p:cNvPr id="148" name="Google Shape;148;g3b93ddab9eb_0_59:notes"/>
           <p:cNvSpPr txBox="1"/>
           <p:nvPr>
             <p:ph idx="1" type="body"/>
@@ -1209,7 +1409,7 @@
       </p:grpSpPr>
       <p:sp>
         <p:nvSpPr>
-          <p:cNvPr id="78" name="Google Shape;78;g3b93ddab9eb_0_21:notes"/>
+          <p:cNvPr id="78" name="Google Shape;78;g392fd4292ad_0_1:notes"/>
           <p:cNvSpPr/>
           <p:nvPr>
             <p:ph idx="2" type="sldImg"/>
@@ -1244,7 +1444,7 @@
       </p:sp>
       <p:sp>
         <p:nvSpPr>
-          <p:cNvPr id="79" name="Google Shape;79;g3b93ddab9eb_0_21:notes"/>
+          <p:cNvPr id="79" name="Google Shape;79;g392fd4292ad_0_1:notes"/>
           <p:cNvSpPr txBox="1"/>
           <p:nvPr>
             <p:ph idx="1" type="body"/>
@@ -1294,7 +1494,7 @@
   <p:cSld>
     <p:spTree>
       <p:nvGrpSpPr>
-        <p:cNvPr id="85" name="Shape 85"/>
+        <p:cNvPr id="83" name="Shape 83"/>
         <p:cNvGrpSpPr/>
         <p:nvPr/>
       </p:nvGrpSpPr>
@@ -1308,7 +1508,7 @@
       </p:grpSpPr>
       <p:sp>
         <p:nvSpPr>
-          <p:cNvPr id="86" name="Google Shape;86;g3b93ddab9eb_0_28:notes"/>
+          <p:cNvPr id="84" name="Google Shape;84;g3b93ddab9eb_0_21:notes"/>
           <p:cNvSpPr/>
           <p:nvPr>
             <p:ph idx="2" type="sldImg"/>
@@ -1343,7 +1543,7 @@
       </p:sp>
       <p:sp>
         <p:nvSpPr>
-          <p:cNvPr id="87" name="Google Shape;87;g3b93ddab9eb_0_28:notes"/>
+          <p:cNvPr id="85" name="Google Shape;85;g3b93ddab9eb_0_21:notes"/>
           <p:cNvSpPr txBox="1"/>
           <p:nvPr>
             <p:ph idx="1" type="body"/>
@@ -1393,7 +1593,7 @@
   <p:cSld>
     <p:spTree>
       <p:nvGrpSpPr>
-        <p:cNvPr id="92" name="Shape 92"/>
+        <p:cNvPr id="103" name="Shape 103"/>
         <p:cNvGrpSpPr/>
         <p:nvPr/>
       </p:nvGrpSpPr>
@@ -1407,7 +1607,7 @@
       </p:grpSpPr>
       <p:sp>
         <p:nvSpPr>
-          <p:cNvPr id="93" name="Google Shape;93;g3b93ddab9eb_0_49:notes"/>
+          <p:cNvPr id="104" name="Google Shape;104;g3b93ddab9eb_0_28:notes"/>
           <p:cNvSpPr/>
           <p:nvPr>
             <p:ph idx="2" type="sldImg"/>
@@ -1442,7 +1642,7 @@
       </p:sp>
       <p:sp>
         <p:nvSpPr>
-          <p:cNvPr id="94" name="Google Shape;94;g3b93ddab9eb_0_49:notes"/>
+          <p:cNvPr id="105" name="Google Shape;105;g3b93ddab9eb_0_28:notes"/>
           <p:cNvSpPr txBox="1"/>
           <p:nvPr>
             <p:ph idx="1" type="body"/>
@@ -1492,7 +1692,7 @@
   <p:cSld>
     <p:spTree>
       <p:nvGrpSpPr>
-        <p:cNvPr id="103" name="Shape 103"/>
+        <p:cNvPr id="116" name="Shape 116"/>
         <p:cNvGrpSpPr/>
         <p:nvPr/>
       </p:nvGrpSpPr>
@@ -1506,7 +1706,7 @@
       </p:grpSpPr>
       <p:sp>
         <p:nvSpPr>
-          <p:cNvPr id="104" name="Google Shape;104;g3b93ddab9eb_0_36:notes"/>
+          <p:cNvPr id="117" name="Google Shape;117;g3b93ddab9eb_0_49:notes"/>
           <p:cNvSpPr/>
           <p:nvPr>
             <p:ph idx="2" type="sldImg"/>
@@ -1541,7 +1741,7 @@
       </p:sp>
       <p:sp>
         <p:nvSpPr>
-          <p:cNvPr id="105" name="Google Shape;105;g3b93ddab9eb_0_36:notes"/>
+          <p:cNvPr id="118" name="Google Shape;118;g3b93ddab9eb_0_49:notes"/>
           <p:cNvSpPr txBox="1"/>
           <p:nvPr>
             <p:ph idx="1" type="body"/>
@@ -1591,7 +1791,7 @@
   <p:cSld>
     <p:spTree>
       <p:nvGrpSpPr>
-        <p:cNvPr id="110" name="Shape 110"/>
+        <p:cNvPr id="126" name="Shape 126"/>
         <p:cNvGrpSpPr/>
         <p:nvPr/>
       </p:nvGrpSpPr>
@@ -1605,7 +1805,7 @@
       </p:grpSpPr>
       <p:sp>
         <p:nvSpPr>
-          <p:cNvPr id="111" name="Google Shape;111;g3b93ddab9eb_0_44:notes"/>
+          <p:cNvPr id="127" name="Google Shape;127;g392fd4292ad_0_30:notes"/>
           <p:cNvSpPr/>
           <p:nvPr>
             <p:ph idx="2" type="sldImg"/>
@@ -1640,7 +1840,7 @@
       </p:sp>
       <p:sp>
         <p:nvSpPr>
-          <p:cNvPr id="112" name="Google Shape;112;g3b93ddab9eb_0_44:notes"/>
+          <p:cNvPr id="128" name="Google Shape;128;g392fd4292ad_0_30:notes"/>
           <p:cNvSpPr txBox="1"/>
           <p:nvPr>
             <p:ph idx="1" type="body"/>
@@ -6500,7 +6700,7 @@
   <p:cSld>
     <p:spTree>
       <p:nvGrpSpPr>
-        <p:cNvPr id="119" name="Shape 119"/>
+        <p:cNvPr id="136" name="Shape 136"/>
         <p:cNvGrpSpPr/>
         <p:nvPr/>
       </p:nvGrpSpPr>
@@ -6514,7 +6714,7 @@
       </p:grpSpPr>
       <p:sp>
         <p:nvSpPr>
-          <p:cNvPr id="120" name="Google Shape;120;p22"/>
+          <p:cNvPr id="137" name="Google Shape;137;p22"/>
           <p:cNvSpPr txBox="1"/>
           <p:nvPr>
             <p:ph type="title"/>
@@ -6546,7 +6746,7 @@
             </a:pPr>
             <a:r>
               <a:rPr lang="nl"/>
-              <a:t>Werkblad</a:t>
+              <a:t>Klassikale oefening</a:t>
             </a:r>
             <a:endParaRPr/>
           </a:p>
@@ -6554,7 +6754,426 @@
       </p:sp>
       <p:sp>
         <p:nvSpPr>
-          <p:cNvPr id="121" name="Google Shape;121;p22"/>
+          <p:cNvPr id="138" name="Google Shape;138;p22"/>
+          <p:cNvSpPr txBox="1"/>
+          <p:nvPr>
+            <p:ph idx="1" type="body"/>
+          </p:nvPr>
+        </p:nvSpPr>
+        <p:spPr>
+          <a:xfrm>
+            <a:off x="311700" y="1152475"/>
+            <a:ext cx="8520600" cy="3416400"/>
+          </a:xfrm>
+          <a:prstGeom prst="rect">
+            <a:avLst/>
+          </a:prstGeom>
+        </p:spPr>
+        <p:txBody>
+          <a:bodyPr anchorCtr="0" anchor="t" bIns="91425" lIns="91425" spcFirstLastPara="1" rIns="91425" wrap="square" tIns="91425">
+            <a:normAutofit lnSpcReduction="10000"/>
+          </a:bodyPr>
+          <a:lstStyle/>
+          <a:p>
+            <a:pPr indent="0" lvl="0" marL="0" rtl="0" algn="l">
+              <a:spcBef>
+                <a:spcPts val="0"/>
+              </a:spcBef>
+              <a:spcAft>
+                <a:spcPts val="0"/>
+              </a:spcAft>
+              <a:buNone/>
+            </a:pPr>
+            <a:r>
+              <a:rPr lang="nl"/>
+              <a:t>Situatie: We willen een functie maken die de oppervlakte van een vierkant berekend.</a:t>
+            </a:r>
+            <a:endParaRPr/>
+          </a:p>
+          <a:p>
+            <a:pPr indent="0" lvl="0" marL="0" rtl="0" algn="l">
+              <a:spcBef>
+                <a:spcPts val="1200"/>
+              </a:spcBef>
+              <a:spcAft>
+                <a:spcPts val="0"/>
+              </a:spcAft>
+              <a:buNone/>
+            </a:pPr>
+            <a:r>
+              <a:t/>
+            </a:r>
+            <a:endParaRPr/>
+          </a:p>
+          <a:p>
+            <a:pPr indent="0" lvl="0" marL="0" rtl="0" algn="l">
+              <a:spcBef>
+                <a:spcPts val="1200"/>
+              </a:spcBef>
+              <a:spcAft>
+                <a:spcPts val="0"/>
+              </a:spcAft>
+              <a:buNone/>
+            </a:pPr>
+            <a:r>
+              <a:t/>
+            </a:r>
+            <a:endParaRPr/>
+          </a:p>
+          <a:p>
+            <a:pPr indent="0" lvl="0" marL="0" rtl="0" algn="l">
+              <a:spcBef>
+                <a:spcPts val="1200"/>
+              </a:spcBef>
+              <a:spcAft>
+                <a:spcPts val="0"/>
+              </a:spcAft>
+              <a:buNone/>
+            </a:pPr>
+            <a:r>
+              <a:t/>
+            </a:r>
+            <a:endParaRPr/>
+          </a:p>
+          <a:p>
+            <a:pPr indent="0" lvl="0" marL="0" rtl="0" algn="l">
+              <a:spcBef>
+                <a:spcPts val="1200"/>
+              </a:spcBef>
+              <a:spcAft>
+                <a:spcPts val="0"/>
+              </a:spcAft>
+              <a:buNone/>
+            </a:pPr>
+            <a:r>
+              <a:t/>
+            </a:r>
+            <a:endParaRPr/>
+          </a:p>
+          <a:p>
+            <a:pPr indent="0" lvl="0" marL="0" rtl="0" algn="l">
+              <a:spcBef>
+                <a:spcPts val="1200"/>
+              </a:spcBef>
+              <a:spcAft>
+                <a:spcPts val="0"/>
+              </a:spcAft>
+              <a:buNone/>
+            </a:pPr>
+            <a:r>
+              <a:t/>
+            </a:r>
+            <a:endParaRPr/>
+          </a:p>
+          <a:p>
+            <a:pPr indent="0" lvl="0" marL="0" rtl="0" algn="l">
+              <a:spcBef>
+                <a:spcPts val="1200"/>
+              </a:spcBef>
+              <a:spcAft>
+                <a:spcPts val="1200"/>
+              </a:spcAft>
+              <a:buNone/>
+            </a:pPr>
+            <a:r>
+              <a:rPr lang="nl" u="sng">
+                <a:solidFill>
+                  <a:schemeClr val="hlink"/>
+                </a:solidFill>
+                <a:hlinkClick r:id="rId3"/>
+              </a:rPr>
+              <a:t>https://www.khanacademy.org/computer-programming/new/pjs</a:t>
+            </a:r>
+            <a:r>
+              <a:rPr lang="nl"/>
+              <a:t>	</a:t>
+            </a:r>
+            <a:endParaRPr/>
+          </a:p>
+        </p:txBody>
+      </p:sp>
+      <p:pic>
+        <p:nvPicPr>
+          <p:cNvPr id="139" name="Google Shape;139;p22"/>
+          <p:cNvPicPr preferRelativeResize="0"/>
+          <p:nvPr/>
+        </p:nvPicPr>
+        <p:blipFill>
+          <a:blip r:embed="rId4">
+            <a:alphaModFix/>
+          </a:blip>
+          <a:stretch>
+            <a:fillRect/>
+          </a:stretch>
+        </p:blipFill>
+        <p:spPr>
+          <a:xfrm>
+            <a:off x="2805225" y="1747525"/>
+            <a:ext cx="3345575" cy="2226300"/>
+          </a:xfrm>
+          <a:prstGeom prst="rect">
+            <a:avLst/>
+          </a:prstGeom>
+          <a:noFill/>
+          <a:ln>
+            <a:noFill/>
+          </a:ln>
+        </p:spPr>
+      </p:pic>
+    </p:spTree>
+  </p:cSld>
+  <p:clrMapOvr>
+    <a:masterClrMapping/>
+  </p:clrMapOvr>
+</p:sld>
+</file>
+
+<file path=ppt/slides/slide11.xml><?xml version="1.0" encoding="utf-8"?>
+<p:sld xmlns:a="http://schemas.openxmlformats.org/drawingml/2006/main" xmlns:r="http://schemas.openxmlformats.org/officeDocument/2006/relationships" xmlns:mc="http://schemas.openxmlformats.org/markup-compatibility/2006" xmlns:mv="urn:schemas-microsoft-com:mac:vml" xmlns:p="http://schemas.openxmlformats.org/presentationml/2006/main" xmlns:c="http://schemas.openxmlformats.org/drawingml/2006/chart" xmlns:dgm="http://schemas.openxmlformats.org/drawingml/2006/diagram" xmlns:o="urn:schemas-microsoft-com:office:office" xmlns:v="urn:schemas-microsoft-com:vml" xmlns:pvml="urn:schemas-microsoft-com:office:powerpoint" xmlns:com="http://schemas.openxmlformats.org/drawingml/2006/compatibility" xmlns:p14="http://schemas.microsoft.com/office/powerpoint/2010/main" xmlns:p15="http://schemas.microsoft.com/office/powerpoint/2012/main" xmlns:ahyp="http://schemas.microsoft.com/office/drawing/2018/hyperlinkcolor">
+  <p:cSld>
+    <p:spTree>
+      <p:nvGrpSpPr>
+        <p:cNvPr id="143" name="Shape 143"/>
+        <p:cNvGrpSpPr/>
+        <p:nvPr/>
+      </p:nvGrpSpPr>
+      <p:grpSpPr>
+        <a:xfrm>
+          <a:off x="0" y="0"/>
+          <a:ext cx="0" cy="0"/>
+          <a:chOff x="0" y="0"/>
+          <a:chExt cx="0" cy="0"/>
+        </a:xfrm>
+      </p:grpSpPr>
+      <p:sp>
+        <p:nvSpPr>
+          <p:cNvPr id="144" name="Google Shape;144;p23"/>
+          <p:cNvSpPr txBox="1"/>
+          <p:nvPr>
+            <p:ph type="title"/>
+          </p:nvPr>
+        </p:nvSpPr>
+        <p:spPr>
+          <a:xfrm>
+            <a:off x="311700" y="445025"/>
+            <a:ext cx="8520600" cy="572700"/>
+          </a:xfrm>
+          <a:prstGeom prst="rect">
+            <a:avLst/>
+          </a:prstGeom>
+        </p:spPr>
+        <p:txBody>
+          <a:bodyPr anchorCtr="0" anchor="t" bIns="91425" lIns="91425" spcFirstLastPara="1" rIns="91425" wrap="square" tIns="91425">
+            <a:normAutofit fontScale="90000"/>
+          </a:bodyPr>
+          <a:lstStyle/>
+          <a:p>
+            <a:pPr indent="0" lvl="0" marL="0" rtl="0" algn="l">
+              <a:spcBef>
+                <a:spcPts val="0"/>
+              </a:spcBef>
+              <a:spcAft>
+                <a:spcPts val="0"/>
+              </a:spcAft>
+              <a:buNone/>
+            </a:pPr>
+            <a:r>
+              <a:rPr lang="nl"/>
+              <a:t>Functie samenvatting</a:t>
+            </a:r>
+            <a:endParaRPr/>
+          </a:p>
+        </p:txBody>
+      </p:sp>
+      <p:sp>
+        <p:nvSpPr>
+          <p:cNvPr id="145" name="Google Shape;145;p23"/>
+          <p:cNvSpPr txBox="1"/>
+          <p:nvPr>
+            <p:ph idx="1" type="body"/>
+          </p:nvPr>
+        </p:nvSpPr>
+        <p:spPr>
+          <a:xfrm>
+            <a:off x="311700" y="1152475"/>
+            <a:ext cx="8520600" cy="3416400"/>
+          </a:xfrm>
+          <a:prstGeom prst="rect">
+            <a:avLst/>
+          </a:prstGeom>
+        </p:spPr>
+        <p:txBody>
+          <a:bodyPr anchorCtr="0" anchor="t" bIns="91425" lIns="91425" spcFirstLastPara="1" rIns="91425" wrap="square" tIns="91425">
+            <a:normAutofit/>
+          </a:bodyPr>
+          <a:lstStyle/>
+          <a:p>
+            <a:pPr indent="-342900" lvl="0" marL="457200" rtl="0" algn="l">
+              <a:spcBef>
+                <a:spcPts val="0"/>
+              </a:spcBef>
+              <a:spcAft>
+                <a:spcPts val="0"/>
+              </a:spcAft>
+              <a:buSzPts val="1800"/>
+              <a:buChar char="●"/>
+            </a:pPr>
+            <a:r>
+              <a:rPr lang="nl"/>
+              <a:t>Een functie is een stukje code met een naam die je kunt hergebruiken</a:t>
+            </a:r>
+            <a:endParaRPr/>
+          </a:p>
+          <a:p>
+            <a:pPr indent="-342900" lvl="0" marL="457200" rtl="0" algn="l">
+              <a:spcBef>
+                <a:spcPts val="0"/>
+              </a:spcBef>
+              <a:spcAft>
+                <a:spcPts val="0"/>
+              </a:spcAft>
+              <a:buSzPts val="1800"/>
+              <a:buChar char="●"/>
+            </a:pPr>
+            <a:r>
+              <a:rPr lang="nl"/>
+              <a:t>Je maakt een functie met het keyword ‘function’</a:t>
+            </a:r>
+            <a:endParaRPr/>
+          </a:p>
+          <a:p>
+            <a:pPr indent="-342900" lvl="0" marL="457200" rtl="0" algn="l">
+              <a:spcBef>
+                <a:spcPts val="0"/>
+              </a:spcBef>
+              <a:spcAft>
+                <a:spcPts val="0"/>
+              </a:spcAft>
+              <a:buSzPts val="1800"/>
+              <a:buChar char="●"/>
+            </a:pPr>
+            <a:r>
+              <a:rPr lang="nl"/>
+              <a:t>Een functie heeft een naam, parameters (), en een body {}</a:t>
+            </a:r>
+            <a:endParaRPr/>
+          </a:p>
+          <a:p>
+            <a:pPr indent="-342900" lvl="0" marL="457200" rtl="0" algn="l">
+              <a:spcBef>
+                <a:spcPts val="0"/>
+              </a:spcBef>
+              <a:spcAft>
+                <a:spcPts val="0"/>
+              </a:spcAft>
+              <a:buSzPts val="1800"/>
+              <a:buChar char="●"/>
+            </a:pPr>
+            <a:r>
+              <a:rPr lang="nl"/>
+              <a:t>Een functie doet niets tot je hem aanroept, dat doe je met de naam en parameters</a:t>
+            </a:r>
+            <a:endParaRPr/>
+          </a:p>
+          <a:p>
+            <a:pPr indent="-342900" lvl="0" marL="457200" rtl="0" algn="l">
+              <a:spcBef>
+                <a:spcPts val="0"/>
+              </a:spcBef>
+              <a:spcAft>
+                <a:spcPts val="0"/>
+              </a:spcAft>
+              <a:buSzPts val="1800"/>
+              <a:buChar char="●"/>
+            </a:pPr>
+            <a:r>
+              <a:rPr lang="nl"/>
+              <a:t>Met return geeft de functie </a:t>
+            </a:r>
+            <a:r>
+              <a:rPr lang="nl"/>
+              <a:t>een</a:t>
+            </a:r>
+            <a:r>
+              <a:rPr lang="nl"/>
+              <a:t> waarde terug en daarna stopt de </a:t>
+            </a:r>
+            <a:r>
+              <a:rPr lang="nl"/>
+              <a:t>functie. Die waarde kan je opslaan in een variabele. </a:t>
+            </a:r>
+            <a:endParaRPr/>
+          </a:p>
+        </p:txBody>
+      </p:sp>
+    </p:spTree>
+  </p:cSld>
+  <p:clrMapOvr>
+    <a:masterClrMapping/>
+  </p:clrMapOvr>
+</p:sld>
+</file>
+
+<file path=ppt/slides/slide12.xml><?xml version="1.0" encoding="utf-8"?>
+<p:sld xmlns:a="http://schemas.openxmlformats.org/drawingml/2006/main" xmlns:r="http://schemas.openxmlformats.org/officeDocument/2006/relationships" xmlns:mc="http://schemas.openxmlformats.org/markup-compatibility/2006" xmlns:mv="urn:schemas-microsoft-com:mac:vml" xmlns:p="http://schemas.openxmlformats.org/presentationml/2006/main" xmlns:c="http://schemas.openxmlformats.org/drawingml/2006/chart" xmlns:dgm="http://schemas.openxmlformats.org/drawingml/2006/diagram" xmlns:o="urn:schemas-microsoft-com:office:office" xmlns:v="urn:schemas-microsoft-com:vml" xmlns:pvml="urn:schemas-microsoft-com:office:powerpoint" xmlns:com="http://schemas.openxmlformats.org/drawingml/2006/compatibility" xmlns:p14="http://schemas.microsoft.com/office/powerpoint/2010/main" xmlns:p15="http://schemas.microsoft.com/office/powerpoint/2012/main" xmlns:ahyp="http://schemas.microsoft.com/office/drawing/2018/hyperlinkcolor">
+  <p:cSld>
+    <p:spTree>
+      <p:nvGrpSpPr>
+        <p:cNvPr id="149" name="Shape 149"/>
+        <p:cNvGrpSpPr/>
+        <p:nvPr/>
+      </p:nvGrpSpPr>
+      <p:grpSpPr>
+        <a:xfrm>
+          <a:off x="0" y="0"/>
+          <a:ext cx="0" cy="0"/>
+          <a:chOff x="0" y="0"/>
+          <a:chExt cx="0" cy="0"/>
+        </a:xfrm>
+      </p:grpSpPr>
+      <p:sp>
+        <p:nvSpPr>
+          <p:cNvPr id="150" name="Google Shape;150;p24"/>
+          <p:cNvSpPr txBox="1"/>
+          <p:nvPr>
+            <p:ph type="title"/>
+          </p:nvPr>
+        </p:nvSpPr>
+        <p:spPr>
+          <a:xfrm>
+            <a:off x="311700" y="445025"/>
+            <a:ext cx="8520600" cy="572700"/>
+          </a:xfrm>
+          <a:prstGeom prst="rect">
+            <a:avLst/>
+          </a:prstGeom>
+        </p:spPr>
+        <p:txBody>
+          <a:bodyPr anchorCtr="0" anchor="t" bIns="91425" lIns="91425" spcFirstLastPara="1" rIns="91425" wrap="square" tIns="91425">
+            <a:normAutofit fontScale="90000"/>
+          </a:bodyPr>
+          <a:lstStyle/>
+          <a:p>
+            <a:pPr indent="0" lvl="0" marL="0" rtl="0" algn="l">
+              <a:spcBef>
+                <a:spcPts val="0"/>
+              </a:spcBef>
+              <a:spcAft>
+                <a:spcPts val="0"/>
+              </a:spcAft>
+              <a:buNone/>
+            </a:pPr>
+            <a:r>
+              <a:rPr lang="nl"/>
+              <a:t>Werkblad</a:t>
+            </a:r>
+            <a:endParaRPr/>
+          </a:p>
+        </p:txBody>
+      </p:sp>
+      <p:sp>
+        <p:nvSpPr>
+          <p:cNvPr id="151" name="Google Shape;151;p24"/>
           <p:cNvSpPr txBox="1"/>
           <p:nvPr>
             <p:ph idx="1" type="body"/>
@@ -6725,7 +7344,11 @@
             </a:pPr>
             <a:r>
               <a:rPr lang="nl" sz="1600"/>
-              <a:t>Situatie: We willen vierkanten met breedte en hoogte 40 op verschillende plekken tekenen</a:t>
+              <a:t>Situatie: We willen </a:t>
+            </a:r>
+            <a:r>
+              <a:rPr lang="nl" sz="1600"/>
+              <a:t>vierkanten met breedte en hoogte 40 op verschillende plekken tekenen</a:t>
             </a:r>
             <a:endParaRPr sz="1600"/>
           </a:p>
@@ -7170,7 +7793,7 @@
         <p:spPr>
           <a:xfrm>
             <a:off x="311700" y="1152475"/>
-            <a:ext cx="2877000" cy="3416400"/>
+            <a:ext cx="3401100" cy="3416400"/>
           </a:xfrm>
           <a:prstGeom prst="rect">
             <a:avLst/>
@@ -7243,7 +7866,11 @@
             </a:pPr>
             <a:r>
               <a:rPr lang="nl"/>
-              <a:t>function tekenVierkant(x, y) {</a:t>
+              <a:t>var </a:t>
+            </a:r>
+            <a:r>
+              <a:rPr lang="nl"/>
+              <a:t>tekenVierkant = function(x, y) {</a:t>
             </a:r>
             <a:endParaRPr/>
           </a:p>
@@ -7460,7 +8087,7 @@
                   <a:schemeClr val="dk2"/>
                 </a:solidFill>
               </a:rPr>
-              <a:t>Makkelijk een nieuw vierkant te teken. </a:t>
+              <a:t>Makkelijk een nieuw vierkant te teken </a:t>
             </a:r>
             <a:endParaRPr sz="1800">
               <a:solidFill>
@@ -7529,7 +8156,7 @@
             </a:pPr>
             <a:r>
               <a:rPr lang="nl"/>
-              <a:t>Delen van een functie</a:t>
+              <a:t>Wat is een functie</a:t>
             </a:r>
             <a:endParaRPr/>
           </a:p>
@@ -7539,24 +8166,22 @@
         <p:nvSpPr>
           <p:cNvPr id="82" name="Google Shape;82;p17"/>
           <p:cNvSpPr txBox="1"/>
-          <p:nvPr/>
+          <p:nvPr>
+            <p:ph idx="1" type="body"/>
+          </p:nvPr>
         </p:nvSpPr>
         <p:spPr>
           <a:xfrm>
-            <a:off x="4675125" y="357150"/>
-            <a:ext cx="4009800" cy="4737300"/>
+            <a:off x="311700" y="1152475"/>
+            <a:ext cx="8520600" cy="3416400"/>
           </a:xfrm>
           <a:prstGeom prst="rect">
             <a:avLst/>
           </a:prstGeom>
-          <a:noFill/>
-          <a:ln>
-            <a:noFill/>
-          </a:ln>
         </p:spPr>
         <p:txBody>
           <a:bodyPr anchorCtr="0" anchor="t" bIns="91425" lIns="91425" spcFirstLastPara="1" rIns="91425" wrap="square" tIns="91425">
-            <a:noAutofit/>
+            <a:normAutofit/>
           </a:bodyPr>
           <a:lstStyle/>
           <a:p>
@@ -7567,53 +8192,46 @@
               <a:spcAft>
                 <a:spcPts val="0"/>
               </a:spcAft>
-              <a:buClr>
-                <a:schemeClr val="dk2"/>
-              </a:buClr>
               <a:buSzPts val="1800"/>
               <a:buChar char="●"/>
             </a:pPr>
             <a:r>
-              <a:rPr lang="nl" sz="1800">
-                <a:solidFill>
-                  <a:schemeClr val="dk2"/>
-                </a:solidFill>
-              </a:rPr>
-              <a:t>Function keyword: laat zien aan JavaScript dat wat erna komt een functie is</a:t>
-            </a:r>
-            <a:endParaRPr sz="1800">
-              <a:solidFill>
-                <a:schemeClr val="dk2"/>
-              </a:solidFill>
-            </a:endParaRPr>
+              <a:rPr lang="nl"/>
+              <a:t>Een functie is eigenlijk zoals een variabele. Alleen slaat deze geen waarde op, maar een stukje code.</a:t>
+            </a:r>
+            <a:endParaRPr/>
+          </a:p>
+          <a:p>
+            <a:pPr indent="0" lvl="0" marL="0" rtl="0" algn="l">
+              <a:spcBef>
+                <a:spcPts val="1200"/>
+              </a:spcBef>
+              <a:spcAft>
+                <a:spcPts val="0"/>
+              </a:spcAft>
+              <a:buNone/>
+            </a:pPr>
+            <a:r>
+              <a:t/>
+            </a:r>
+            <a:endParaRPr/>
           </a:p>
           <a:p>
             <a:pPr indent="-342900" lvl="0" marL="457200" rtl="0" algn="l">
               <a:spcBef>
-                <a:spcPts val="0"/>
-              </a:spcBef>
-              <a:spcAft>
-                <a:spcPts val="0"/>
-              </a:spcAft>
-              <a:buClr>
-                <a:schemeClr val="dk2"/>
-              </a:buClr>
+                <a:spcPts val="1200"/>
+              </a:spcBef>
+              <a:spcAft>
+                <a:spcPts val="0"/>
+              </a:spcAft>
               <a:buSzPts val="1800"/>
               <a:buChar char="●"/>
             </a:pPr>
             <a:r>
-              <a:rPr lang="nl" sz="1800">
-                <a:solidFill>
-                  <a:schemeClr val="dk2"/>
-                </a:solidFill>
-              </a:rPr>
-              <a:t>Function name: de naam waarmee je de functie later gaat aanroepen</a:t>
-            </a:r>
-            <a:endParaRPr sz="1800">
-              <a:solidFill>
-                <a:schemeClr val="dk2"/>
-              </a:solidFill>
-            </a:endParaRPr>
+              <a:rPr lang="nl"/>
+              <a:t>Variabele aanroepen = waarde oproepen</a:t>
+            </a:r>
+            <a:endParaRPr/>
           </a:p>
           <a:p>
             <a:pPr indent="-342900" lvl="0" marL="457200" rtl="0" algn="l">
@@ -7623,222 +8241,14 @@
               <a:spcAft>
                 <a:spcPts val="0"/>
               </a:spcAft>
-              <a:buClr>
-                <a:schemeClr val="dk2"/>
-              </a:buClr>
               <a:buSzPts val="1800"/>
               <a:buChar char="●"/>
             </a:pPr>
             <a:r>
-              <a:rPr lang="nl" sz="1800">
-                <a:solidFill>
-                  <a:schemeClr val="dk2"/>
-                </a:solidFill>
-              </a:rPr>
-              <a:t>Parameters*: de lijst van variabelen die je gaat gebruiken in je function </a:t>
-            </a:r>
-            <a:endParaRPr sz="1800">
-              <a:solidFill>
-                <a:schemeClr val="dk2"/>
-              </a:solidFill>
-            </a:endParaRPr>
-          </a:p>
-          <a:p>
-            <a:pPr indent="-342900" lvl="0" marL="457200" rtl="0" algn="l">
-              <a:spcBef>
-                <a:spcPts val="0"/>
-              </a:spcBef>
-              <a:spcAft>
-                <a:spcPts val="0"/>
-              </a:spcAft>
-              <a:buClr>
-                <a:schemeClr val="dk2"/>
-              </a:buClr>
-              <a:buSzPts val="1800"/>
-              <a:buChar char="●"/>
-            </a:pPr>
-            <a:r>
-              <a:rPr lang="nl" sz="1800">
-                <a:solidFill>
-                  <a:schemeClr val="dk2"/>
-                </a:solidFill>
-              </a:rPr>
-              <a:t>Function body: Alle logica die de functie moet uitvoeren</a:t>
-            </a:r>
-            <a:endParaRPr sz="1800">
-              <a:solidFill>
-                <a:schemeClr val="dk2"/>
-              </a:solidFill>
-            </a:endParaRPr>
-          </a:p>
-          <a:p>
-            <a:pPr indent="-342900" lvl="0" marL="457200" rtl="0" algn="l">
-              <a:spcBef>
-                <a:spcPts val="0"/>
-              </a:spcBef>
-              <a:spcAft>
-                <a:spcPts val="0"/>
-              </a:spcAft>
-              <a:buClr>
-                <a:schemeClr val="dk2"/>
-              </a:buClr>
-              <a:buSzPts val="1800"/>
-              <a:buChar char="●"/>
-            </a:pPr>
-            <a:r>
-              <a:rPr lang="nl" sz="1800">
-                <a:solidFill>
-                  <a:schemeClr val="dk2"/>
-                </a:solidFill>
-              </a:rPr>
-              <a:t>Return keyword*: Sommige functies willen een waarde </a:t>
-            </a:r>
-            <a:r>
-              <a:rPr lang="nl" sz="1800">
-                <a:solidFill>
-                  <a:schemeClr val="dk2"/>
-                </a:solidFill>
-              </a:rPr>
-              <a:t>teruggeven</a:t>
-            </a:r>
-            <a:r>
-              <a:rPr lang="nl" sz="1800">
-                <a:solidFill>
-                  <a:schemeClr val="dk2"/>
-                </a:solidFill>
-              </a:rPr>
-              <a:t> en de functie daarna stoppen</a:t>
-            </a:r>
-            <a:endParaRPr sz="1800">
-              <a:solidFill>
-                <a:schemeClr val="dk2"/>
-              </a:solidFill>
-            </a:endParaRPr>
-          </a:p>
-        </p:txBody>
-      </p:sp>
-      <p:pic>
-        <p:nvPicPr>
-          <p:cNvPr id="83" name="Google Shape;83;p17"/>
-          <p:cNvPicPr preferRelativeResize="0"/>
-          <p:nvPr/>
-        </p:nvPicPr>
-        <p:blipFill rotWithShape="1">
-          <a:blip r:embed="rId3">
-            <a:alphaModFix/>
-          </a:blip>
-          <a:srcRect b="0" l="2973" r="2338" t="6059"/>
-          <a:stretch/>
-        </p:blipFill>
-        <p:spPr>
-          <a:xfrm>
-            <a:off x="183900" y="1426475"/>
-            <a:ext cx="4491225" cy="2138525"/>
-          </a:xfrm>
-          <a:prstGeom prst="rect">
-            <a:avLst/>
-          </a:prstGeom>
-          <a:noFill/>
-          <a:ln>
-            <a:noFill/>
-          </a:ln>
-        </p:spPr>
-      </p:pic>
-      <p:sp>
-        <p:nvSpPr>
-          <p:cNvPr id="84" name="Google Shape;84;p17"/>
-          <p:cNvSpPr txBox="1"/>
-          <p:nvPr/>
-        </p:nvSpPr>
-        <p:spPr>
-          <a:xfrm>
-            <a:off x="322950" y="4024975"/>
-            <a:ext cx="4074300" cy="941100"/>
-          </a:xfrm>
-          <a:prstGeom prst="rect">
-            <a:avLst/>
-          </a:prstGeom>
-          <a:noFill/>
-          <a:ln>
-            <a:noFill/>
-          </a:ln>
-        </p:spPr>
-        <p:txBody>
-          <a:bodyPr anchorCtr="0" anchor="t" bIns="91425" lIns="91425" spcFirstLastPara="1" rIns="91425" wrap="square" tIns="91425">
-            <a:noAutofit/>
-          </a:bodyPr>
-          <a:lstStyle/>
-          <a:p>
-            <a:pPr indent="0" lvl="0" marL="0" rtl="0" algn="l">
-              <a:spcBef>
-                <a:spcPts val="0"/>
-              </a:spcBef>
-              <a:spcAft>
-                <a:spcPts val="0"/>
-              </a:spcAft>
-              <a:buNone/>
-            </a:pPr>
-            <a:r>
-              <a:rPr lang="nl" sz="1800">
-                <a:solidFill>
-                  <a:schemeClr val="dk2"/>
-                </a:solidFill>
-              </a:rPr>
-              <a:t>* Betekent niet verplicht</a:t>
-            </a:r>
-            <a:endParaRPr sz="1800">
-              <a:solidFill>
-                <a:schemeClr val="dk2"/>
-              </a:solidFill>
-            </a:endParaRPr>
-          </a:p>
-          <a:p>
-            <a:pPr indent="0" lvl="0" marL="0" rtl="0" algn="l">
-              <a:spcBef>
-                <a:spcPts val="0"/>
-              </a:spcBef>
-              <a:spcAft>
-                <a:spcPts val="0"/>
-              </a:spcAft>
-              <a:buNone/>
-            </a:pPr>
-            <a:r>
-              <a:rPr lang="nl" sz="1800">
-                <a:solidFill>
-                  <a:schemeClr val="dk2"/>
-                </a:solidFill>
-              </a:rPr>
-              <a:t>parameters kunnen ook leeg zijn ( )</a:t>
-            </a:r>
-            <a:endParaRPr sz="1800">
-              <a:solidFill>
-                <a:schemeClr val="dk2"/>
-              </a:solidFill>
-            </a:endParaRPr>
-          </a:p>
-          <a:p>
-            <a:pPr indent="0" lvl="0" marL="0" rtl="0" algn="l">
-              <a:spcBef>
-                <a:spcPts val="0"/>
-              </a:spcBef>
-              <a:spcAft>
-                <a:spcPts val="0"/>
-              </a:spcAft>
-              <a:buNone/>
-            </a:pPr>
-            <a:r>
-              <a:rPr lang="nl" sz="1800">
-                <a:solidFill>
-                  <a:schemeClr val="dk2"/>
-                </a:solidFill>
-              </a:rPr>
-              <a:t>return kan weggelaten worden</a:t>
-            </a:r>
-            <a:endParaRPr sz="1800">
-              <a:solidFill>
-                <a:schemeClr val="dk2"/>
-              </a:solidFill>
-            </a:endParaRPr>
+              <a:rPr lang="nl"/>
+              <a:t>Functie aanroepen = stukje code laten uitvoeren</a:t>
+            </a:r>
+            <a:endParaRPr/>
           </a:p>
         </p:txBody>
       </p:sp>
@@ -7855,7 +8265,7 @@
   <p:cSld>
     <p:spTree>
       <p:nvGrpSpPr>
-        <p:cNvPr id="88" name="Shape 88"/>
+        <p:cNvPr id="86" name="Shape 86"/>
         <p:cNvGrpSpPr/>
         <p:nvPr/>
       </p:nvGrpSpPr>
@@ -7869,7 +8279,7 @@
       </p:grpSpPr>
       <p:sp>
         <p:nvSpPr>
-          <p:cNvPr id="89" name="Google Shape;89;p18"/>
+          <p:cNvPr id="87" name="Google Shape;87;p18"/>
           <p:cNvSpPr txBox="1"/>
           <p:nvPr>
             <p:ph type="title"/>
@@ -7904,6 +8314,286 @@
               <a:t>Delen van een functie</a:t>
             </a:r>
             <a:endParaRPr/>
+          </a:p>
+        </p:txBody>
+      </p:sp>
+      <p:sp>
+        <p:nvSpPr>
+          <p:cNvPr id="88" name="Google Shape;88;p18"/>
+          <p:cNvSpPr txBox="1"/>
+          <p:nvPr/>
+        </p:nvSpPr>
+        <p:spPr>
+          <a:xfrm>
+            <a:off x="4675125" y="357150"/>
+            <a:ext cx="4009800" cy="4737300"/>
+          </a:xfrm>
+          <a:prstGeom prst="rect">
+            <a:avLst/>
+          </a:prstGeom>
+          <a:noFill/>
+          <a:ln>
+            <a:noFill/>
+          </a:ln>
+        </p:spPr>
+        <p:txBody>
+          <a:bodyPr anchorCtr="0" anchor="t" bIns="91425" lIns="91425" spcFirstLastPara="1" rIns="91425" wrap="square" tIns="91425">
+            <a:noAutofit/>
+          </a:bodyPr>
+          <a:lstStyle/>
+          <a:p>
+            <a:pPr indent="-342900" lvl="0" marL="457200" rtl="0" algn="l">
+              <a:spcBef>
+                <a:spcPts val="0"/>
+              </a:spcBef>
+              <a:spcAft>
+                <a:spcPts val="0"/>
+              </a:spcAft>
+              <a:buClr>
+                <a:schemeClr val="dk2"/>
+              </a:buClr>
+              <a:buSzPts val="1800"/>
+              <a:buChar char="●"/>
+            </a:pPr>
+            <a:r>
+              <a:rPr lang="nl" sz="1800">
+                <a:solidFill>
+                  <a:schemeClr val="dk2"/>
+                </a:solidFill>
+              </a:rPr>
+              <a:t>Function keyword: laat zien aan JavaScript dat wat erna komt een functie is</a:t>
+            </a:r>
+            <a:endParaRPr sz="1800">
+              <a:solidFill>
+                <a:schemeClr val="dk2"/>
+              </a:solidFill>
+            </a:endParaRPr>
+          </a:p>
+          <a:p>
+            <a:pPr indent="-342900" lvl="0" marL="457200" rtl="0" algn="l">
+              <a:spcBef>
+                <a:spcPts val="0"/>
+              </a:spcBef>
+              <a:spcAft>
+                <a:spcPts val="0"/>
+              </a:spcAft>
+              <a:buClr>
+                <a:schemeClr val="dk2"/>
+              </a:buClr>
+              <a:buSzPts val="1800"/>
+              <a:buChar char="●"/>
+            </a:pPr>
+            <a:r>
+              <a:rPr lang="nl" sz="1800">
+                <a:solidFill>
+                  <a:schemeClr val="dk2"/>
+                </a:solidFill>
+              </a:rPr>
+              <a:t>Function name: de naam waarmee je de functie later gaat aanroepen</a:t>
+            </a:r>
+            <a:endParaRPr sz="1800">
+              <a:solidFill>
+                <a:schemeClr val="dk2"/>
+              </a:solidFill>
+            </a:endParaRPr>
+          </a:p>
+          <a:p>
+            <a:pPr indent="-342900" lvl="0" marL="457200" rtl="0" algn="l">
+              <a:spcBef>
+                <a:spcPts val="0"/>
+              </a:spcBef>
+              <a:spcAft>
+                <a:spcPts val="0"/>
+              </a:spcAft>
+              <a:buClr>
+                <a:schemeClr val="dk2"/>
+              </a:buClr>
+              <a:buSzPts val="1800"/>
+              <a:buChar char="●"/>
+            </a:pPr>
+            <a:r>
+              <a:rPr lang="nl" sz="1800">
+                <a:solidFill>
+                  <a:schemeClr val="dk2"/>
+                </a:solidFill>
+              </a:rPr>
+              <a:t>Parameters*: de lijst van variabelen die je gaat gebruiken in je function </a:t>
+            </a:r>
+            <a:endParaRPr sz="1800">
+              <a:solidFill>
+                <a:schemeClr val="dk2"/>
+              </a:solidFill>
+            </a:endParaRPr>
+          </a:p>
+          <a:p>
+            <a:pPr indent="-342900" lvl="0" marL="457200" rtl="0" algn="l">
+              <a:spcBef>
+                <a:spcPts val="0"/>
+              </a:spcBef>
+              <a:spcAft>
+                <a:spcPts val="0"/>
+              </a:spcAft>
+              <a:buClr>
+                <a:schemeClr val="dk2"/>
+              </a:buClr>
+              <a:buSzPts val="1800"/>
+              <a:buChar char="●"/>
+            </a:pPr>
+            <a:r>
+              <a:rPr lang="nl" sz="1800">
+                <a:solidFill>
+                  <a:schemeClr val="dk2"/>
+                </a:solidFill>
+              </a:rPr>
+              <a:t>Function body: Alle logica die de functie moet uitvoeren</a:t>
+            </a:r>
+            <a:endParaRPr sz="1800">
+              <a:solidFill>
+                <a:schemeClr val="dk2"/>
+              </a:solidFill>
+            </a:endParaRPr>
+          </a:p>
+          <a:p>
+            <a:pPr indent="-342900" lvl="0" marL="457200" rtl="0" algn="l">
+              <a:spcBef>
+                <a:spcPts val="0"/>
+              </a:spcBef>
+              <a:spcAft>
+                <a:spcPts val="0"/>
+              </a:spcAft>
+              <a:buClr>
+                <a:schemeClr val="dk2"/>
+              </a:buClr>
+              <a:buSzPts val="1800"/>
+              <a:buChar char="●"/>
+            </a:pPr>
+            <a:r>
+              <a:rPr lang="nl" sz="1800">
+                <a:solidFill>
+                  <a:schemeClr val="dk2"/>
+                </a:solidFill>
+              </a:rPr>
+              <a:t>Return keyword*: Sommige functies willen een waarde </a:t>
+            </a:r>
+            <a:r>
+              <a:rPr lang="nl" sz="1800">
+                <a:solidFill>
+                  <a:schemeClr val="dk2"/>
+                </a:solidFill>
+              </a:rPr>
+              <a:t>teruggeven</a:t>
+            </a:r>
+            <a:r>
+              <a:rPr lang="nl" sz="1800">
+                <a:solidFill>
+                  <a:schemeClr val="dk2"/>
+                </a:solidFill>
+              </a:rPr>
+              <a:t> en de functie daarna stoppen</a:t>
+            </a:r>
+            <a:endParaRPr sz="1800">
+              <a:solidFill>
+                <a:schemeClr val="dk2"/>
+              </a:solidFill>
+            </a:endParaRPr>
+          </a:p>
+        </p:txBody>
+      </p:sp>
+      <p:sp>
+        <p:nvSpPr>
+          <p:cNvPr id="89" name="Google Shape;89;p18"/>
+          <p:cNvSpPr txBox="1"/>
+          <p:nvPr/>
+        </p:nvSpPr>
+        <p:spPr>
+          <a:xfrm>
+            <a:off x="322950" y="4024975"/>
+            <a:ext cx="4074300" cy="941100"/>
+          </a:xfrm>
+          <a:prstGeom prst="rect">
+            <a:avLst/>
+          </a:prstGeom>
+          <a:noFill/>
+          <a:ln>
+            <a:noFill/>
+          </a:ln>
+        </p:spPr>
+        <p:txBody>
+          <a:bodyPr anchorCtr="0" anchor="t" bIns="91425" lIns="91425" spcFirstLastPara="1" rIns="91425" wrap="square" tIns="91425">
+            <a:noAutofit/>
+          </a:bodyPr>
+          <a:lstStyle/>
+          <a:p>
+            <a:pPr indent="0" lvl="0" marL="0" rtl="0" algn="l">
+              <a:spcBef>
+                <a:spcPts val="0"/>
+              </a:spcBef>
+              <a:spcAft>
+                <a:spcPts val="0"/>
+              </a:spcAft>
+              <a:buNone/>
+            </a:pPr>
+            <a:r>
+              <a:rPr lang="nl" sz="1800">
+                <a:solidFill>
+                  <a:schemeClr val="dk2"/>
+                </a:solidFill>
+              </a:rPr>
+              <a:t>* Betekent niet verplicht</a:t>
+            </a:r>
+            <a:endParaRPr sz="1800">
+              <a:solidFill>
+                <a:schemeClr val="dk2"/>
+              </a:solidFill>
+            </a:endParaRPr>
+          </a:p>
+          <a:p>
+            <a:pPr indent="0" lvl="0" marL="0" rtl="0" algn="l">
+              <a:spcBef>
+                <a:spcPts val="0"/>
+              </a:spcBef>
+              <a:spcAft>
+                <a:spcPts val="0"/>
+              </a:spcAft>
+              <a:buNone/>
+            </a:pPr>
+            <a:r>
+              <a:rPr lang="nl" sz="1800">
+                <a:solidFill>
+                  <a:schemeClr val="dk2"/>
+                </a:solidFill>
+              </a:rPr>
+              <a:t>parameters kunnen ook leeg zijn ( )</a:t>
+            </a:r>
+            <a:endParaRPr sz="1800">
+              <a:solidFill>
+                <a:schemeClr val="dk2"/>
+              </a:solidFill>
+            </a:endParaRPr>
+          </a:p>
+          <a:p>
+            <a:pPr indent="0" lvl="0" marL="0" rtl="0" algn="l">
+              <a:spcBef>
+                <a:spcPts val="0"/>
+              </a:spcBef>
+              <a:spcAft>
+                <a:spcPts val="0"/>
+              </a:spcAft>
+              <a:buNone/>
+            </a:pPr>
+            <a:r>
+              <a:rPr lang="nl" sz="1800">
+                <a:solidFill>
+                  <a:schemeClr val="dk2"/>
+                </a:solidFill>
+              </a:rPr>
+              <a:t>return kan weggelaten worden</a:t>
+            </a:r>
+            <a:endParaRPr sz="1800">
+              <a:solidFill>
+                <a:schemeClr val="dk2"/>
+              </a:solidFill>
+            </a:endParaRPr>
           </a:p>
         </p:txBody>
       </p:sp>
@@ -7923,8 +8613,8 @@
         </p:blipFill>
         <p:spPr>
           <a:xfrm>
-            <a:off x="238625" y="1317150"/>
-            <a:ext cx="4233325" cy="2878925"/>
+            <a:off x="205850" y="1534650"/>
+            <a:ext cx="3378550" cy="2074225"/>
           </a:xfrm>
           <a:prstGeom prst="rect">
             <a:avLst/>
@@ -7943,8 +8633,8 @@
         </p:nvSpPr>
         <p:spPr>
           <a:xfrm>
-            <a:off x="4675125" y="816975"/>
-            <a:ext cx="4009800" cy="3721200"/>
+            <a:off x="1825500" y="1116125"/>
+            <a:ext cx="1069200" cy="320100"/>
           </a:xfrm>
           <a:prstGeom prst="rect">
             <a:avLst/>
@@ -7960,117 +8650,221 @@
           </a:bodyPr>
           <a:lstStyle/>
           <a:p>
-            <a:pPr indent="-342900" lvl="0" marL="457200" rtl="0" algn="l">
-              <a:spcBef>
-                <a:spcPts val="0"/>
-              </a:spcBef>
-              <a:spcAft>
-                <a:spcPts val="0"/>
-              </a:spcAft>
-              <a:buClr>
-                <a:schemeClr val="dk2"/>
-              </a:buClr>
-              <a:buSzPts val="1800"/>
-              <a:buChar char="●"/>
-            </a:pPr>
-            <a:r>
-              <a:rPr lang="nl" sz="1800">
+            <a:pPr indent="0" lvl="0" marL="0" rtl="0" algn="l">
+              <a:spcBef>
+                <a:spcPts val="0"/>
+              </a:spcBef>
+              <a:spcAft>
+                <a:spcPts val="0"/>
+              </a:spcAft>
+              <a:buNone/>
+            </a:pPr>
+            <a:r>
+              <a:rPr b="1" lang="nl" sz="800">
                 <a:solidFill>
                   <a:schemeClr val="dk2"/>
                 </a:solidFill>
               </a:rPr>
-              <a:t>Onderaan zie je hoe je een functie aanroept:</a:t>
-            </a:r>
-            <a:endParaRPr sz="1800">
+              <a:t>Function keyword</a:t>
+            </a:r>
+            <a:endParaRPr b="1" sz="800">
               <a:solidFill>
                 <a:schemeClr val="dk2"/>
               </a:solidFill>
             </a:endParaRPr>
           </a:p>
-          <a:p>
-            <a:pPr indent="-342900" lvl="1" marL="914400" rtl="0" algn="l">
-              <a:spcBef>
-                <a:spcPts val="0"/>
-              </a:spcBef>
-              <a:spcAft>
-                <a:spcPts val="0"/>
-              </a:spcAft>
-              <a:buClr>
-                <a:schemeClr val="dk2"/>
-              </a:buClr>
-              <a:buSzPts val="1800"/>
-              <a:buChar char="○"/>
-            </a:pPr>
-            <a:r>
-              <a:rPr lang="nl" sz="1800">
+        </p:txBody>
+      </p:sp>
+      <p:sp>
+        <p:nvSpPr>
+          <p:cNvPr id="92" name="Google Shape;92;p18"/>
+          <p:cNvSpPr txBox="1"/>
+          <p:nvPr/>
+        </p:nvSpPr>
+        <p:spPr>
+          <a:xfrm>
+            <a:off x="857750" y="1116125"/>
+            <a:ext cx="1069200" cy="320100"/>
+          </a:xfrm>
+          <a:prstGeom prst="rect">
+            <a:avLst/>
+          </a:prstGeom>
+          <a:noFill/>
+          <a:ln>
+            <a:noFill/>
+          </a:ln>
+        </p:spPr>
+        <p:txBody>
+          <a:bodyPr anchorCtr="0" anchor="t" bIns="91425" lIns="91425" spcFirstLastPara="1" rIns="91425" wrap="square" tIns="91425">
+            <a:noAutofit/>
+          </a:bodyPr>
+          <a:lstStyle/>
+          <a:p>
+            <a:pPr indent="0" lvl="0" marL="0" rtl="0" algn="l">
+              <a:spcBef>
+                <a:spcPts val="0"/>
+              </a:spcBef>
+              <a:spcAft>
+                <a:spcPts val="0"/>
+              </a:spcAft>
+              <a:buNone/>
+            </a:pPr>
+            <a:r>
+              <a:rPr b="1" lang="nl" sz="800">
                 <a:solidFill>
                   <a:schemeClr val="dk2"/>
                 </a:solidFill>
               </a:rPr>
-              <a:t>Function call: Geeft de naam van de functie</a:t>
-            </a:r>
-            <a:endParaRPr sz="1800">
+              <a:t>Func</a:t>
+            </a:r>
+            <a:r>
+              <a:rPr b="1" lang="nl" sz="800">
+                <a:solidFill>
+                  <a:schemeClr val="dk2"/>
+                </a:solidFill>
+              </a:rPr>
+              <a:t>tio</a:t>
+            </a:r>
+            <a:r>
+              <a:rPr b="1" lang="nl" sz="800">
+                <a:solidFill>
+                  <a:schemeClr val="dk2"/>
+                </a:solidFill>
+              </a:rPr>
+              <a:t>n name</a:t>
+            </a:r>
+            <a:endParaRPr b="1" sz="800">
               <a:solidFill>
                 <a:schemeClr val="dk2"/>
               </a:solidFill>
             </a:endParaRPr>
           </a:p>
-          <a:p>
-            <a:pPr indent="-342900" lvl="1" marL="914400" rtl="0" algn="l">
-              <a:spcBef>
-                <a:spcPts val="0"/>
-              </a:spcBef>
-              <a:spcAft>
-                <a:spcPts val="0"/>
-              </a:spcAft>
-              <a:buClr>
-                <a:schemeClr val="dk2"/>
-              </a:buClr>
-              <a:buSzPts val="1800"/>
-              <a:buChar char="○"/>
-            </a:pPr>
-            <a:r>
-              <a:rPr lang="nl" sz="1800">
+        </p:txBody>
+      </p:sp>
+      <p:sp>
+        <p:nvSpPr>
+          <p:cNvPr id="93" name="Google Shape;93;p18"/>
+          <p:cNvSpPr txBox="1"/>
+          <p:nvPr/>
+        </p:nvSpPr>
+        <p:spPr>
+          <a:xfrm>
+            <a:off x="2862800" y="1116138"/>
+            <a:ext cx="1069200" cy="320100"/>
+          </a:xfrm>
+          <a:prstGeom prst="rect">
+            <a:avLst/>
+          </a:prstGeom>
+          <a:noFill/>
+          <a:ln>
+            <a:noFill/>
+          </a:ln>
+        </p:spPr>
+        <p:txBody>
+          <a:bodyPr anchorCtr="0" anchor="t" bIns="91425" lIns="91425" spcFirstLastPara="1" rIns="91425" wrap="square" tIns="91425">
+            <a:noAutofit/>
+          </a:bodyPr>
+          <a:lstStyle/>
+          <a:p>
+            <a:pPr indent="0" lvl="0" marL="0" rtl="0" algn="l">
+              <a:spcBef>
+                <a:spcPts val="0"/>
+              </a:spcBef>
+              <a:spcAft>
+                <a:spcPts val="0"/>
+              </a:spcAft>
+              <a:buNone/>
+            </a:pPr>
+            <a:r>
+              <a:rPr b="1" lang="nl" sz="800">
                 <a:solidFill>
                   <a:schemeClr val="dk2"/>
                 </a:solidFill>
               </a:rPr>
-              <a:t>Arguments: Geeft waardes aan de parameters in de functie</a:t>
-            </a:r>
-            <a:endParaRPr sz="1800">
+              <a:t>Parameters</a:t>
+            </a:r>
+            <a:endParaRPr b="1" sz="800">
               <a:solidFill>
                 <a:schemeClr val="dk2"/>
               </a:solidFill>
             </a:endParaRPr>
           </a:p>
-          <a:p>
-            <a:pPr indent="-342900" lvl="0" marL="457200" rtl="0" algn="l">
-              <a:spcBef>
-                <a:spcPts val="0"/>
-              </a:spcBef>
-              <a:spcAft>
-                <a:spcPts val="0"/>
-              </a:spcAft>
-              <a:buClr>
-                <a:schemeClr val="dk2"/>
-              </a:buClr>
-              <a:buSzPts val="1800"/>
-              <a:buChar char="●"/>
-            </a:pPr>
-            <a:r>
-              <a:rPr lang="nl" sz="1800">
+        </p:txBody>
+      </p:sp>
+      <p:sp>
+        <p:nvSpPr>
+          <p:cNvPr id="94" name="Google Shape;94;p18"/>
+          <p:cNvSpPr txBox="1"/>
+          <p:nvPr/>
+        </p:nvSpPr>
+        <p:spPr>
+          <a:xfrm>
+            <a:off x="3695275" y="2049138"/>
+            <a:ext cx="1069200" cy="320100"/>
+          </a:xfrm>
+          <a:prstGeom prst="rect">
+            <a:avLst/>
+          </a:prstGeom>
+          <a:noFill/>
+          <a:ln>
+            <a:noFill/>
+          </a:ln>
+        </p:spPr>
+        <p:txBody>
+          <a:bodyPr anchorCtr="0" anchor="t" bIns="91425" lIns="91425" spcFirstLastPara="1" rIns="91425" wrap="square" tIns="91425">
+            <a:noAutofit/>
+          </a:bodyPr>
+          <a:lstStyle/>
+          <a:p>
+            <a:pPr indent="0" lvl="0" marL="0" rtl="0" algn="l">
+              <a:spcBef>
+                <a:spcPts val="0"/>
+              </a:spcBef>
+              <a:spcAft>
+                <a:spcPts val="0"/>
+              </a:spcAft>
+              <a:buNone/>
+            </a:pPr>
+            <a:r>
+              <a:rPr b="1" lang="nl" sz="800">
                 <a:solidFill>
                   <a:schemeClr val="dk2"/>
                 </a:solidFill>
               </a:rPr>
-              <a:t>Omdat de functie iets returnt zal dat worden opgeslagen worden in de variabele result</a:t>
-            </a:r>
-            <a:endParaRPr sz="1800">
+              <a:t>Function body</a:t>
+            </a:r>
+            <a:endParaRPr b="1" sz="800">
               <a:solidFill>
                 <a:schemeClr val="dk2"/>
               </a:solidFill>
             </a:endParaRPr>
           </a:p>
+        </p:txBody>
+      </p:sp>
+      <p:sp>
+        <p:nvSpPr>
+          <p:cNvPr id="95" name="Google Shape;95;p18"/>
+          <p:cNvSpPr txBox="1"/>
+          <p:nvPr/>
+        </p:nvSpPr>
+        <p:spPr>
+          <a:xfrm>
+            <a:off x="2862800" y="2768313"/>
+            <a:ext cx="1069200" cy="320100"/>
+          </a:xfrm>
+          <a:prstGeom prst="rect">
+            <a:avLst/>
+          </a:prstGeom>
+          <a:noFill/>
+          <a:ln>
+            <a:noFill/>
+          </a:ln>
+        </p:spPr>
+        <p:txBody>
+          <a:bodyPr anchorCtr="0" anchor="t" bIns="91425" lIns="91425" spcFirstLastPara="1" rIns="91425" wrap="square" tIns="91425">
+            <a:noAutofit/>
+          </a:bodyPr>
+          <a:lstStyle/>
           <a:p>
             <a:pPr indent="0" lvl="0" marL="0" rtl="0" algn="l">
               <a:spcBef>
@@ -8082,40 +8876,235 @@
               <a:buNone/>
             </a:pPr>
             <a:r>
-              <a:t/>
-            </a:r>
-            <a:endParaRPr sz="1800">
+              <a:rPr b="1" lang="nl" sz="800">
+                <a:solidFill>
+                  <a:schemeClr val="dk2"/>
+                </a:solidFill>
+              </a:rPr>
+              <a:t>Return keyword</a:t>
+            </a:r>
+            <a:endParaRPr b="1" sz="800">
               <a:solidFill>
                 <a:schemeClr val="dk2"/>
               </a:solidFill>
             </a:endParaRPr>
           </a:p>
-          <a:p>
-            <a:pPr indent="0" lvl="0" marL="0" rtl="0" algn="l">
-              <a:spcBef>
-                <a:spcPts val="0"/>
-              </a:spcBef>
-              <a:spcAft>
-                <a:spcPts val="0"/>
-              </a:spcAft>
-              <a:buNone/>
-            </a:pPr>
-            <a:r>
-              <a:rPr lang="nl" sz="1800">
-                <a:solidFill>
-                  <a:schemeClr val="dk2"/>
-                </a:solidFill>
-              </a:rPr>
-              <a:t>Wat als er geen return stond?</a:t>
-            </a:r>
-            <a:endParaRPr sz="1800">
-              <a:solidFill>
-                <a:schemeClr val="dk2"/>
-              </a:solidFill>
-            </a:endParaRPr>
-          </a:p>
         </p:txBody>
       </p:sp>
+      <p:cxnSp>
+        <p:nvCxnSpPr>
+          <p:cNvPr id="96" name="Google Shape;96;p18"/>
+          <p:cNvCxnSpPr>
+            <a:endCxn id="92" idx="2"/>
+          </p:cNvCxnSpPr>
+          <p:nvPr/>
+        </p:nvCxnSpPr>
+        <p:spPr>
+          <a:xfrm flipH="1" rot="10800000">
+            <a:off x="1306850" y="1436225"/>
+            <a:ext cx="85500" cy="246900"/>
+          </a:xfrm>
+          <a:prstGeom prst="straightConnector1">
+            <a:avLst/>
+          </a:prstGeom>
+          <a:noFill/>
+          <a:ln cap="flat" cmpd="sng" w="9525">
+            <a:solidFill>
+              <a:schemeClr val="dk2"/>
+            </a:solidFill>
+            <a:prstDash val="solid"/>
+            <a:round/>
+            <a:headEnd len="med" w="med" type="none"/>
+            <a:tailEnd len="med" w="med" type="triangle"/>
+          </a:ln>
+        </p:spPr>
+      </p:cxnSp>
+      <p:cxnSp>
+        <p:nvCxnSpPr>
+          <p:cNvPr id="97" name="Google Shape;97;p18"/>
+          <p:cNvCxnSpPr>
+            <a:endCxn id="91" idx="2"/>
+          </p:cNvCxnSpPr>
+          <p:nvPr/>
+        </p:nvCxnSpPr>
+        <p:spPr>
+          <a:xfrm flipH="1" rot="10800000">
+            <a:off x="2194200" y="1436225"/>
+            <a:ext cx="165900" cy="236100"/>
+          </a:xfrm>
+          <a:prstGeom prst="straightConnector1">
+            <a:avLst/>
+          </a:prstGeom>
+          <a:noFill/>
+          <a:ln cap="flat" cmpd="sng" w="9525">
+            <a:solidFill>
+              <a:schemeClr val="dk2"/>
+            </a:solidFill>
+            <a:prstDash val="solid"/>
+            <a:round/>
+            <a:headEnd len="med" w="med" type="none"/>
+            <a:tailEnd len="med" w="med" type="triangle"/>
+          </a:ln>
+        </p:spPr>
+      </p:cxnSp>
+      <p:cxnSp>
+        <p:nvCxnSpPr>
+          <p:cNvPr id="98" name="Google Shape;98;p18"/>
+          <p:cNvCxnSpPr/>
+          <p:nvPr/>
+        </p:nvCxnSpPr>
+        <p:spPr>
+          <a:xfrm flipH="1" rot="10800000">
+            <a:off x="2889350" y="1351725"/>
+            <a:ext cx="256500" cy="352800"/>
+          </a:xfrm>
+          <a:prstGeom prst="straightConnector1">
+            <a:avLst/>
+          </a:prstGeom>
+          <a:noFill/>
+          <a:ln cap="flat" cmpd="sng" w="9525">
+            <a:solidFill>
+              <a:schemeClr val="dk2"/>
+            </a:solidFill>
+            <a:prstDash val="solid"/>
+            <a:round/>
+            <a:headEnd len="med" w="med" type="none"/>
+            <a:tailEnd len="med" w="med" type="triangle"/>
+          </a:ln>
+        </p:spPr>
+      </p:cxnSp>
+      <p:cxnSp>
+        <p:nvCxnSpPr>
+          <p:cNvPr id="99" name="Google Shape;99;p18"/>
+          <p:cNvCxnSpPr/>
+          <p:nvPr/>
+        </p:nvCxnSpPr>
+        <p:spPr>
+          <a:xfrm rot="10800000">
+            <a:off x="3167375" y="1383650"/>
+            <a:ext cx="0" cy="278100"/>
+          </a:xfrm>
+          <a:prstGeom prst="straightConnector1">
+            <a:avLst/>
+          </a:prstGeom>
+          <a:noFill/>
+          <a:ln cap="flat" cmpd="sng" w="9525">
+            <a:solidFill>
+              <a:schemeClr val="dk2"/>
+            </a:solidFill>
+            <a:prstDash val="solid"/>
+            <a:round/>
+            <a:headEnd len="med" w="med" type="none"/>
+            <a:tailEnd len="med" w="med" type="triangle"/>
+          </a:ln>
+        </p:spPr>
+      </p:cxnSp>
+      <p:cxnSp>
+        <p:nvCxnSpPr>
+          <p:cNvPr id="100" name="Google Shape;100;p18"/>
+          <p:cNvCxnSpPr>
+            <a:endCxn id="94" idx="1"/>
+          </p:cNvCxnSpPr>
+          <p:nvPr/>
+        </p:nvCxnSpPr>
+        <p:spPr>
+          <a:xfrm flipH="1" rot="10800000">
+            <a:off x="3295675" y="2209188"/>
+            <a:ext cx="399600" cy="19200"/>
+          </a:xfrm>
+          <a:prstGeom prst="straightConnector1">
+            <a:avLst/>
+          </a:prstGeom>
+          <a:noFill/>
+          <a:ln cap="flat" cmpd="sng" w="9525">
+            <a:solidFill>
+              <a:schemeClr val="dk2"/>
+            </a:solidFill>
+            <a:prstDash val="solid"/>
+            <a:round/>
+            <a:headEnd len="med" w="med" type="none"/>
+            <a:tailEnd len="med" w="med" type="triangle"/>
+          </a:ln>
+        </p:spPr>
+      </p:cxnSp>
+      <p:sp>
+        <p:nvSpPr>
+          <p:cNvPr id="101" name="Google Shape;101;p18"/>
+          <p:cNvSpPr/>
+          <p:nvPr/>
+        </p:nvSpPr>
+        <p:spPr>
+          <a:xfrm>
+            <a:off x="2932125" y="1993250"/>
+            <a:ext cx="165900" cy="505200"/>
+          </a:xfrm>
+          <a:prstGeom prst="rightBrace">
+            <a:avLst>
+              <a:gd fmla="val 50000" name="adj1"/>
+              <a:gd fmla="val 50000" name="adj2"/>
+            </a:avLst>
+          </a:prstGeom>
+          <a:noFill/>
+          <a:ln cap="flat" cmpd="sng" w="9525">
+            <a:solidFill>
+              <a:schemeClr val="dk1"/>
+            </a:solidFill>
+            <a:prstDash val="solid"/>
+            <a:round/>
+            <a:headEnd len="sm" w="sm" type="none"/>
+            <a:tailEnd len="sm" w="sm" type="none"/>
+          </a:ln>
+        </p:spPr>
+        <p:txBody>
+          <a:bodyPr anchorCtr="0" anchor="ctr" bIns="91425" lIns="91425" spcFirstLastPara="1" rIns="91425" wrap="square" tIns="91425">
+            <a:noAutofit/>
+          </a:bodyPr>
+          <a:lstStyle/>
+          <a:p>
+            <a:pPr indent="0" lvl="0" marL="0" rtl="0" algn="ctr">
+              <a:spcBef>
+                <a:spcPts val="0"/>
+              </a:spcBef>
+              <a:spcAft>
+                <a:spcPts val="0"/>
+              </a:spcAft>
+              <a:buNone/>
+            </a:pPr>
+            <a:r>
+              <a:t/>
+            </a:r>
+            <a:endParaRPr/>
+          </a:p>
+        </p:txBody>
+      </p:sp>
+      <p:cxnSp>
+        <p:nvCxnSpPr>
+          <p:cNvPr id="102" name="Google Shape;102;p18"/>
+          <p:cNvCxnSpPr>
+            <a:endCxn id="95" idx="1"/>
+          </p:cNvCxnSpPr>
+          <p:nvPr/>
+        </p:nvCxnSpPr>
+        <p:spPr>
+          <a:xfrm>
+            <a:off x="1563500" y="2527863"/>
+            <a:ext cx="1299300" cy="400500"/>
+          </a:xfrm>
+          <a:prstGeom prst="straightConnector1">
+            <a:avLst/>
+          </a:prstGeom>
+          <a:noFill/>
+          <a:ln cap="flat" cmpd="sng" w="9525">
+            <a:solidFill>
+              <a:schemeClr val="dk2"/>
+            </a:solidFill>
+            <a:prstDash val="solid"/>
+            <a:round/>
+            <a:headEnd len="med" w="med" type="none"/>
+            <a:tailEnd len="med" w="med" type="triangle"/>
+          </a:ln>
+        </p:spPr>
+      </p:cxnSp>
     </p:spTree>
   </p:cSld>
   <p:clrMapOvr>
@@ -8125,316 +9114,6 @@
 </file>
 
 <file path=ppt/slides/slide7.xml><?xml version="1.0" encoding="utf-8"?>
-<p:sld xmlns:a="http://schemas.openxmlformats.org/drawingml/2006/main" xmlns:r="http://schemas.openxmlformats.org/officeDocument/2006/relationships" xmlns:mc="http://schemas.openxmlformats.org/markup-compatibility/2006" xmlns:mv="urn:schemas-microsoft-com:mac:vml" xmlns:p="http://schemas.openxmlformats.org/presentationml/2006/main" xmlns:c="http://schemas.openxmlformats.org/drawingml/2006/chart" xmlns:dgm="http://schemas.openxmlformats.org/drawingml/2006/diagram" xmlns:o="urn:schemas-microsoft-com:office:office" xmlns:v="urn:schemas-microsoft-com:vml" xmlns:pvml="urn:schemas-microsoft-com:office:powerpoint" xmlns:com="http://schemas.openxmlformats.org/drawingml/2006/compatibility" xmlns:p14="http://schemas.microsoft.com/office/powerpoint/2010/main" xmlns:p15="http://schemas.microsoft.com/office/powerpoint/2012/main" xmlns:ahyp="http://schemas.microsoft.com/office/drawing/2018/hyperlinkcolor">
-  <p:cSld>
-    <p:spTree>
-      <p:nvGrpSpPr>
-        <p:cNvPr id="95" name="Shape 95"/>
-        <p:cNvGrpSpPr/>
-        <p:nvPr/>
-      </p:nvGrpSpPr>
-      <p:grpSpPr>
-        <a:xfrm>
-          <a:off x="0" y="0"/>
-          <a:ext cx="0" cy="0"/>
-          <a:chOff x="0" y="0"/>
-          <a:chExt cx="0" cy="0"/>
-        </a:xfrm>
-      </p:grpSpPr>
-      <p:sp>
-        <p:nvSpPr>
-          <p:cNvPr id="96" name="Google Shape;96;p19"/>
-          <p:cNvSpPr txBox="1"/>
-          <p:nvPr>
-            <p:ph type="title"/>
-          </p:nvPr>
-        </p:nvSpPr>
-        <p:spPr>
-          <a:xfrm>
-            <a:off x="311700" y="445025"/>
-            <a:ext cx="8520600" cy="572700"/>
-          </a:xfrm>
-          <a:prstGeom prst="rect">
-            <a:avLst/>
-          </a:prstGeom>
-        </p:spPr>
-        <p:txBody>
-          <a:bodyPr anchorCtr="0" anchor="t" bIns="91425" lIns="91425" spcFirstLastPara="1" rIns="91425" wrap="square" tIns="91425">
-            <a:normAutofit fontScale="90000"/>
-          </a:bodyPr>
-          <a:lstStyle/>
-          <a:p>
-            <a:pPr indent="0" lvl="0" marL="0" rtl="0" algn="l">
-              <a:spcBef>
-                <a:spcPts val="0"/>
-              </a:spcBef>
-              <a:spcAft>
-                <a:spcPts val="0"/>
-              </a:spcAft>
-              <a:buNone/>
-            </a:pPr>
-            <a:r>
-              <a:rPr lang="nl"/>
-              <a:t>De grote verdwijntruc</a:t>
-            </a:r>
-            <a:endParaRPr/>
-          </a:p>
-        </p:txBody>
-      </p:sp>
-      <p:sp>
-        <p:nvSpPr>
-          <p:cNvPr id="97" name="Google Shape;97;p19"/>
-          <p:cNvSpPr txBox="1"/>
-          <p:nvPr>
-            <p:ph idx="1" type="body"/>
-          </p:nvPr>
-        </p:nvSpPr>
-        <p:spPr>
-          <a:xfrm>
-            <a:off x="311700" y="1152475"/>
-            <a:ext cx="6267000" cy="3416400"/>
-          </a:xfrm>
-          <a:prstGeom prst="rect">
-            <a:avLst/>
-          </a:prstGeom>
-        </p:spPr>
-        <p:txBody>
-          <a:bodyPr anchorCtr="0" anchor="t" bIns="91425" lIns="91425" spcFirstLastPara="1" rIns="91425" wrap="square" tIns="91425">
-            <a:normAutofit/>
-          </a:bodyPr>
-          <a:lstStyle/>
-          <a:p>
-            <a:pPr indent="-342900" lvl="0" marL="457200" rtl="0" algn="l">
-              <a:spcBef>
-                <a:spcPts val="0"/>
-              </a:spcBef>
-              <a:spcAft>
-                <a:spcPts val="0"/>
-              </a:spcAft>
-              <a:buSzPts val="1800"/>
-              <a:buChar char="●"/>
-            </a:pPr>
-            <a:r>
-              <a:rPr lang="nl"/>
-              <a:t>Variabelen die je in een functie aanmaakt gaan na het uitvoeren weg</a:t>
-            </a:r>
-            <a:endParaRPr/>
-          </a:p>
-          <a:p>
-            <a:pPr indent="0" lvl="0" marL="457200" rtl="0" algn="l">
-              <a:spcBef>
-                <a:spcPts val="1200"/>
-              </a:spcBef>
-              <a:spcAft>
-                <a:spcPts val="0"/>
-              </a:spcAft>
-              <a:buNone/>
-            </a:pPr>
-            <a:r>
-              <a:t/>
-            </a:r>
-            <a:endParaRPr/>
-          </a:p>
-          <a:p>
-            <a:pPr indent="-342900" lvl="0" marL="457200" rtl="0" algn="l">
-              <a:spcBef>
-                <a:spcPts val="1200"/>
-              </a:spcBef>
-              <a:spcAft>
-                <a:spcPts val="0"/>
-              </a:spcAft>
-              <a:buSzPts val="1800"/>
-              <a:buChar char="●"/>
-            </a:pPr>
-            <a:r>
-              <a:rPr lang="nl"/>
-              <a:t>Parameters bestaan buiten de functie ook niet en per function call hebben ze andere waarden</a:t>
-            </a:r>
-            <a:endParaRPr/>
-          </a:p>
-          <a:p>
-            <a:pPr indent="0" lvl="0" marL="457200" rtl="0" algn="l">
-              <a:spcBef>
-                <a:spcPts val="1200"/>
-              </a:spcBef>
-              <a:spcAft>
-                <a:spcPts val="0"/>
-              </a:spcAft>
-              <a:buNone/>
-            </a:pPr>
-            <a:r>
-              <a:t/>
-            </a:r>
-            <a:endParaRPr/>
-          </a:p>
-          <a:p>
-            <a:pPr indent="-342900" lvl="0" marL="457200" rtl="0" algn="l">
-              <a:spcBef>
-                <a:spcPts val="1200"/>
-              </a:spcBef>
-              <a:spcAft>
-                <a:spcPts val="0"/>
-              </a:spcAft>
-              <a:buSzPts val="1800"/>
-              <a:buChar char="●"/>
-            </a:pPr>
-            <a:r>
-              <a:rPr lang="nl"/>
-              <a:t>Zonder return + opslaan in variabele doet een functie niets opslaan</a:t>
-            </a:r>
-            <a:endParaRPr/>
-          </a:p>
-        </p:txBody>
-      </p:sp>
-      <p:pic>
-        <p:nvPicPr>
-          <p:cNvPr id="98" name="Google Shape;98;p19"/>
-          <p:cNvPicPr preferRelativeResize="0"/>
-          <p:nvPr/>
-        </p:nvPicPr>
-        <p:blipFill>
-          <a:blip r:embed="rId3">
-            <a:alphaModFix/>
-          </a:blip>
-          <a:stretch>
-            <a:fillRect/>
-          </a:stretch>
-        </p:blipFill>
-        <p:spPr>
-          <a:xfrm>
-            <a:off x="5083975" y="55688"/>
-            <a:ext cx="2133600" cy="962025"/>
-          </a:xfrm>
-          <a:prstGeom prst="rect">
-            <a:avLst/>
-          </a:prstGeom>
-          <a:noFill/>
-          <a:ln>
-            <a:noFill/>
-          </a:ln>
-        </p:spPr>
-      </p:pic>
-      <p:pic>
-        <p:nvPicPr>
-          <p:cNvPr id="99" name="Google Shape;99;p19"/>
-          <p:cNvPicPr preferRelativeResize="0"/>
-          <p:nvPr/>
-        </p:nvPicPr>
-        <p:blipFill>
-          <a:blip r:embed="rId4">
-            <a:alphaModFix/>
-          </a:blip>
-          <a:stretch>
-            <a:fillRect/>
-          </a:stretch>
-        </p:blipFill>
-        <p:spPr>
-          <a:xfrm>
-            <a:off x="7441499" y="402250"/>
-            <a:ext cx="1702491" cy="1025675"/>
-          </a:xfrm>
-          <a:prstGeom prst="rect">
-            <a:avLst/>
-          </a:prstGeom>
-          <a:noFill/>
-          <a:ln>
-            <a:noFill/>
-          </a:ln>
-        </p:spPr>
-      </p:pic>
-      <p:pic>
-        <p:nvPicPr>
-          <p:cNvPr id="100" name="Google Shape;100;p19"/>
-          <p:cNvPicPr preferRelativeResize="0"/>
-          <p:nvPr/>
-        </p:nvPicPr>
-        <p:blipFill>
-          <a:blip r:embed="rId5">
-            <a:alphaModFix/>
-          </a:blip>
-          <a:stretch>
-            <a:fillRect/>
-          </a:stretch>
-        </p:blipFill>
-        <p:spPr>
-          <a:xfrm>
-            <a:off x="7698800" y="1483913"/>
-            <a:ext cx="1590675" cy="1638300"/>
-          </a:xfrm>
-          <a:prstGeom prst="rect">
-            <a:avLst/>
-          </a:prstGeom>
-          <a:noFill/>
-          <a:ln>
-            <a:noFill/>
-          </a:ln>
-        </p:spPr>
-      </p:pic>
-      <p:pic>
-        <p:nvPicPr>
-          <p:cNvPr id="101" name="Google Shape;101;p19"/>
-          <p:cNvPicPr preferRelativeResize="0"/>
-          <p:nvPr/>
-        </p:nvPicPr>
-        <p:blipFill>
-          <a:blip r:embed="rId6">
-            <a:alphaModFix/>
-          </a:blip>
-          <a:stretch>
-            <a:fillRect/>
-          </a:stretch>
-        </p:blipFill>
-        <p:spPr>
-          <a:xfrm>
-            <a:off x="6396750" y="3178225"/>
-            <a:ext cx="3132200" cy="1390650"/>
-          </a:xfrm>
-          <a:prstGeom prst="rect">
-            <a:avLst/>
-          </a:prstGeom>
-          <a:noFill/>
-          <a:ln>
-            <a:noFill/>
-          </a:ln>
-        </p:spPr>
-      </p:pic>
-      <p:pic>
-        <p:nvPicPr>
-          <p:cNvPr id="102" name="Google Shape;102;p19"/>
-          <p:cNvPicPr preferRelativeResize="0"/>
-          <p:nvPr/>
-        </p:nvPicPr>
-        <p:blipFill>
-          <a:blip r:embed="rId7">
-            <a:alphaModFix/>
-          </a:blip>
-          <a:stretch>
-            <a:fillRect/>
-          </a:stretch>
-        </p:blipFill>
-        <p:spPr>
-          <a:xfrm>
-            <a:off x="6396750" y="4568875"/>
-            <a:ext cx="1779159" cy="269825"/>
-          </a:xfrm>
-          <a:prstGeom prst="rect">
-            <a:avLst/>
-          </a:prstGeom>
-          <a:noFill/>
-          <a:ln>
-            <a:noFill/>
-          </a:ln>
-        </p:spPr>
-      </p:pic>
-    </p:spTree>
-  </p:cSld>
-  <p:clrMapOvr>
-    <a:masterClrMapping/>
-  </p:clrMapOvr>
-</p:sld>
-</file>
-
-<file path=ppt/slides/slide8.xml><?xml version="1.0" encoding="utf-8"?>
 <p:sld xmlns:a="http://schemas.openxmlformats.org/drawingml/2006/main" xmlns:r="http://schemas.openxmlformats.org/officeDocument/2006/relationships" xmlns:mc="http://schemas.openxmlformats.org/markup-compatibility/2006" xmlns:mv="urn:schemas-microsoft-com:mac:vml" xmlns:p="http://schemas.openxmlformats.org/presentationml/2006/main" xmlns:c="http://schemas.openxmlformats.org/drawingml/2006/chart" xmlns:dgm="http://schemas.openxmlformats.org/drawingml/2006/diagram" xmlns:o="urn:schemas-microsoft-com:office:office" xmlns:v="urn:schemas-microsoft-com:vml" xmlns:pvml="urn:schemas-microsoft-com:office:powerpoint" xmlns:com="http://schemas.openxmlformats.org/drawingml/2006/compatibility" xmlns:p14="http://schemas.microsoft.com/office/powerpoint/2010/main" xmlns:p15="http://schemas.microsoft.com/office/powerpoint/2012/main" xmlns:ahyp="http://schemas.microsoft.com/office/drawing/2018/hyperlinkcolor">
   <p:cSld>
     <p:spTree>
@@ -8453,7 +9132,7 @@
       </p:grpSpPr>
       <p:sp>
         <p:nvSpPr>
-          <p:cNvPr id="107" name="Google Shape;107;p20"/>
+          <p:cNvPr id="107" name="Google Shape;107;p19"/>
           <p:cNvSpPr txBox="1"/>
           <p:nvPr>
             <p:ph type="title"/>
@@ -8485,7 +9164,7 @@
             </a:pPr>
             <a:r>
               <a:rPr lang="nl"/>
-              <a:t>Klassikale oefening</a:t>
+              <a:t>Delen van een functie</a:t>
             </a:r>
             <a:endParaRPr/>
           </a:p>
@@ -8493,7 +9172,506 @@
       </p:sp>
       <p:sp>
         <p:nvSpPr>
-          <p:cNvPr id="108" name="Google Shape;108;p20"/>
+          <p:cNvPr id="108" name="Google Shape;108;p19"/>
+          <p:cNvSpPr txBox="1"/>
+          <p:nvPr/>
+        </p:nvSpPr>
+        <p:spPr>
+          <a:xfrm>
+            <a:off x="4675125" y="816975"/>
+            <a:ext cx="4009800" cy="3721200"/>
+          </a:xfrm>
+          <a:prstGeom prst="rect">
+            <a:avLst/>
+          </a:prstGeom>
+          <a:noFill/>
+          <a:ln>
+            <a:noFill/>
+          </a:ln>
+        </p:spPr>
+        <p:txBody>
+          <a:bodyPr anchorCtr="0" anchor="t" bIns="91425" lIns="91425" spcFirstLastPara="1" rIns="91425" wrap="square" tIns="91425">
+            <a:noAutofit/>
+          </a:bodyPr>
+          <a:lstStyle/>
+          <a:p>
+            <a:pPr indent="-342900" lvl="0" marL="457200" rtl="0" algn="l">
+              <a:spcBef>
+                <a:spcPts val="0"/>
+              </a:spcBef>
+              <a:spcAft>
+                <a:spcPts val="0"/>
+              </a:spcAft>
+              <a:buClr>
+                <a:schemeClr val="dk2"/>
+              </a:buClr>
+              <a:buSzPts val="1800"/>
+              <a:buChar char="●"/>
+            </a:pPr>
+            <a:r>
+              <a:rPr lang="nl" sz="1800">
+                <a:solidFill>
+                  <a:schemeClr val="dk2"/>
+                </a:solidFill>
+              </a:rPr>
+              <a:t>Onderaan zie je hoe je een functie aanroept:</a:t>
+            </a:r>
+            <a:endParaRPr sz="1800">
+              <a:solidFill>
+                <a:schemeClr val="dk2"/>
+              </a:solidFill>
+            </a:endParaRPr>
+          </a:p>
+          <a:p>
+            <a:pPr indent="-342900" lvl="1" marL="914400" rtl="0" algn="l">
+              <a:spcBef>
+                <a:spcPts val="0"/>
+              </a:spcBef>
+              <a:spcAft>
+                <a:spcPts val="0"/>
+              </a:spcAft>
+              <a:buClr>
+                <a:schemeClr val="dk2"/>
+              </a:buClr>
+              <a:buSzPts val="1800"/>
+              <a:buChar char="○"/>
+            </a:pPr>
+            <a:r>
+              <a:rPr lang="nl" sz="1800">
+                <a:solidFill>
+                  <a:schemeClr val="dk2"/>
+                </a:solidFill>
+              </a:rPr>
+              <a:t>Function call: Geeft de naam van de functie</a:t>
+            </a:r>
+            <a:endParaRPr sz="1800">
+              <a:solidFill>
+                <a:schemeClr val="dk2"/>
+              </a:solidFill>
+            </a:endParaRPr>
+          </a:p>
+          <a:p>
+            <a:pPr indent="-342900" lvl="1" marL="914400" rtl="0" algn="l">
+              <a:spcBef>
+                <a:spcPts val="0"/>
+              </a:spcBef>
+              <a:spcAft>
+                <a:spcPts val="0"/>
+              </a:spcAft>
+              <a:buClr>
+                <a:schemeClr val="dk2"/>
+              </a:buClr>
+              <a:buSzPts val="1800"/>
+              <a:buChar char="○"/>
+            </a:pPr>
+            <a:r>
+              <a:rPr lang="nl" sz="1800">
+                <a:solidFill>
+                  <a:schemeClr val="dk2"/>
+                </a:solidFill>
+              </a:rPr>
+              <a:t>Arguments: Geeft waardes aan de parameters in de functie</a:t>
+            </a:r>
+            <a:endParaRPr sz="1800">
+              <a:solidFill>
+                <a:schemeClr val="dk2"/>
+              </a:solidFill>
+            </a:endParaRPr>
+          </a:p>
+          <a:p>
+            <a:pPr indent="-342900" lvl="0" marL="457200" rtl="0" algn="l">
+              <a:spcBef>
+                <a:spcPts val="0"/>
+              </a:spcBef>
+              <a:spcAft>
+                <a:spcPts val="0"/>
+              </a:spcAft>
+              <a:buClr>
+                <a:schemeClr val="dk2"/>
+              </a:buClr>
+              <a:buSzPts val="1800"/>
+              <a:buChar char="●"/>
+            </a:pPr>
+            <a:r>
+              <a:rPr lang="nl" sz="1800">
+                <a:solidFill>
+                  <a:schemeClr val="dk2"/>
+                </a:solidFill>
+              </a:rPr>
+              <a:t>Omdat de functie iets returnt zal dat worden opgeslagen worden in de variabele result</a:t>
+            </a:r>
+            <a:endParaRPr sz="1800">
+              <a:solidFill>
+                <a:schemeClr val="dk2"/>
+              </a:solidFill>
+            </a:endParaRPr>
+          </a:p>
+          <a:p>
+            <a:pPr indent="0" lvl="0" marL="0" rtl="0" algn="l">
+              <a:spcBef>
+                <a:spcPts val="0"/>
+              </a:spcBef>
+              <a:spcAft>
+                <a:spcPts val="0"/>
+              </a:spcAft>
+              <a:buNone/>
+            </a:pPr>
+            <a:r>
+              <a:t/>
+            </a:r>
+            <a:endParaRPr sz="1800">
+              <a:solidFill>
+                <a:schemeClr val="dk2"/>
+              </a:solidFill>
+            </a:endParaRPr>
+          </a:p>
+          <a:p>
+            <a:pPr indent="0" lvl="0" marL="0" rtl="0" algn="l">
+              <a:spcBef>
+                <a:spcPts val="0"/>
+              </a:spcBef>
+              <a:spcAft>
+                <a:spcPts val="0"/>
+              </a:spcAft>
+              <a:buNone/>
+            </a:pPr>
+            <a:r>
+              <a:rPr lang="nl" sz="1800">
+                <a:solidFill>
+                  <a:schemeClr val="dk2"/>
+                </a:solidFill>
+              </a:rPr>
+              <a:t>Wat als er geen return stond?</a:t>
+            </a:r>
+            <a:endParaRPr sz="1800">
+              <a:solidFill>
+                <a:schemeClr val="dk2"/>
+              </a:solidFill>
+            </a:endParaRPr>
+          </a:p>
+        </p:txBody>
+      </p:sp>
+      <p:pic>
+        <p:nvPicPr>
+          <p:cNvPr id="109" name="Google Shape;109;p19"/>
+          <p:cNvPicPr preferRelativeResize="0"/>
+          <p:nvPr/>
+        </p:nvPicPr>
+        <p:blipFill>
+          <a:blip r:embed="rId3">
+            <a:alphaModFix/>
+          </a:blip>
+          <a:stretch>
+            <a:fillRect/>
+          </a:stretch>
+        </p:blipFill>
+        <p:spPr>
+          <a:xfrm>
+            <a:off x="311700" y="1459775"/>
+            <a:ext cx="3378550" cy="2074225"/>
+          </a:xfrm>
+          <a:prstGeom prst="rect">
+            <a:avLst/>
+          </a:prstGeom>
+          <a:noFill/>
+          <a:ln>
+            <a:noFill/>
+          </a:ln>
+        </p:spPr>
+      </p:pic>
+      <p:sp>
+        <p:nvSpPr>
+          <p:cNvPr id="110" name="Google Shape;110;p19"/>
+          <p:cNvSpPr txBox="1"/>
+          <p:nvPr/>
+        </p:nvSpPr>
+        <p:spPr>
+          <a:xfrm>
+            <a:off x="1595450" y="3779025"/>
+            <a:ext cx="780600" cy="149700"/>
+          </a:xfrm>
+          <a:prstGeom prst="rect">
+            <a:avLst/>
+          </a:prstGeom>
+          <a:noFill/>
+          <a:ln>
+            <a:noFill/>
+          </a:ln>
+        </p:spPr>
+        <p:txBody>
+          <a:bodyPr anchorCtr="0" anchor="t" bIns="91425" lIns="91425" spcFirstLastPara="1" rIns="91425" wrap="square" tIns="91425">
+            <a:noAutofit/>
+          </a:bodyPr>
+          <a:lstStyle/>
+          <a:p>
+            <a:pPr indent="0" lvl="0" marL="0" rtl="0" algn="l">
+              <a:spcBef>
+                <a:spcPts val="0"/>
+              </a:spcBef>
+              <a:spcAft>
+                <a:spcPts val="0"/>
+              </a:spcAft>
+              <a:buNone/>
+            </a:pPr>
+            <a:r>
+              <a:t/>
+            </a:r>
+            <a:endParaRPr sz="1800">
+              <a:solidFill>
+                <a:schemeClr val="dk2"/>
+              </a:solidFill>
+            </a:endParaRPr>
+          </a:p>
+        </p:txBody>
+      </p:sp>
+      <p:sp>
+        <p:nvSpPr>
+          <p:cNvPr id="111" name="Google Shape;111;p19"/>
+          <p:cNvSpPr txBox="1"/>
+          <p:nvPr/>
+        </p:nvSpPr>
+        <p:spPr>
+          <a:xfrm>
+            <a:off x="1595450" y="3608613"/>
+            <a:ext cx="1069200" cy="320100"/>
+          </a:xfrm>
+          <a:prstGeom prst="rect">
+            <a:avLst/>
+          </a:prstGeom>
+          <a:noFill/>
+          <a:ln>
+            <a:noFill/>
+          </a:ln>
+        </p:spPr>
+        <p:txBody>
+          <a:bodyPr anchorCtr="0" anchor="t" bIns="91425" lIns="91425" spcFirstLastPara="1" rIns="91425" wrap="square" tIns="91425">
+            <a:noAutofit/>
+          </a:bodyPr>
+          <a:lstStyle/>
+          <a:p>
+            <a:pPr indent="0" lvl="0" marL="0" rtl="0" algn="l">
+              <a:spcBef>
+                <a:spcPts val="0"/>
+              </a:spcBef>
+              <a:spcAft>
+                <a:spcPts val="0"/>
+              </a:spcAft>
+              <a:buNone/>
+            </a:pPr>
+            <a:r>
+              <a:rPr b="1" lang="nl" sz="800">
+                <a:solidFill>
+                  <a:schemeClr val="dk2"/>
+                </a:solidFill>
+              </a:rPr>
+              <a:t>Function call</a:t>
+            </a:r>
+            <a:endParaRPr b="1" sz="800">
+              <a:solidFill>
+                <a:schemeClr val="dk2"/>
+              </a:solidFill>
+            </a:endParaRPr>
+          </a:p>
+        </p:txBody>
+      </p:sp>
+      <p:sp>
+        <p:nvSpPr>
+          <p:cNvPr id="112" name="Google Shape;112;p19"/>
+          <p:cNvSpPr txBox="1"/>
+          <p:nvPr/>
+        </p:nvSpPr>
+        <p:spPr>
+          <a:xfrm>
+            <a:off x="2692800" y="3608613"/>
+            <a:ext cx="1069200" cy="320100"/>
+          </a:xfrm>
+          <a:prstGeom prst="rect">
+            <a:avLst/>
+          </a:prstGeom>
+          <a:noFill/>
+          <a:ln>
+            <a:noFill/>
+          </a:ln>
+        </p:spPr>
+        <p:txBody>
+          <a:bodyPr anchorCtr="0" anchor="t" bIns="91425" lIns="91425" spcFirstLastPara="1" rIns="91425" wrap="square" tIns="91425">
+            <a:noAutofit/>
+          </a:bodyPr>
+          <a:lstStyle/>
+          <a:p>
+            <a:pPr indent="0" lvl="0" marL="0" rtl="0" algn="l">
+              <a:spcBef>
+                <a:spcPts val="0"/>
+              </a:spcBef>
+              <a:spcAft>
+                <a:spcPts val="0"/>
+              </a:spcAft>
+              <a:buNone/>
+            </a:pPr>
+            <a:r>
+              <a:rPr b="1" lang="nl" sz="800">
+                <a:solidFill>
+                  <a:schemeClr val="dk2"/>
+                </a:solidFill>
+              </a:rPr>
+              <a:t>Arguments</a:t>
+            </a:r>
+            <a:endParaRPr b="1" sz="800">
+              <a:solidFill>
+                <a:schemeClr val="dk2"/>
+              </a:solidFill>
+            </a:endParaRPr>
+          </a:p>
+        </p:txBody>
+      </p:sp>
+      <p:cxnSp>
+        <p:nvCxnSpPr>
+          <p:cNvPr id="113" name="Google Shape;113;p19"/>
+          <p:cNvCxnSpPr>
+            <a:endCxn id="111" idx="0"/>
+          </p:cNvCxnSpPr>
+          <p:nvPr/>
+        </p:nvCxnSpPr>
+        <p:spPr>
+          <a:xfrm flipH="1">
+            <a:off x="2130050" y="3458313"/>
+            <a:ext cx="181800" cy="150300"/>
+          </a:xfrm>
+          <a:prstGeom prst="straightConnector1">
+            <a:avLst/>
+          </a:prstGeom>
+          <a:noFill/>
+          <a:ln cap="flat" cmpd="sng" w="9525">
+            <a:solidFill>
+              <a:schemeClr val="dk2"/>
+            </a:solidFill>
+            <a:prstDash val="solid"/>
+            <a:round/>
+            <a:headEnd len="med" w="med" type="none"/>
+            <a:tailEnd len="med" w="med" type="triangle"/>
+          </a:ln>
+        </p:spPr>
+      </p:cxnSp>
+      <p:cxnSp>
+        <p:nvCxnSpPr>
+          <p:cNvPr id="114" name="Google Shape;114;p19"/>
+          <p:cNvCxnSpPr/>
+          <p:nvPr/>
+        </p:nvCxnSpPr>
+        <p:spPr>
+          <a:xfrm>
+            <a:off x="2750325" y="3501000"/>
+            <a:ext cx="235200" cy="192600"/>
+          </a:xfrm>
+          <a:prstGeom prst="straightConnector1">
+            <a:avLst/>
+          </a:prstGeom>
+          <a:noFill/>
+          <a:ln cap="flat" cmpd="sng" w="9525">
+            <a:solidFill>
+              <a:schemeClr val="dk2"/>
+            </a:solidFill>
+            <a:prstDash val="solid"/>
+            <a:round/>
+            <a:headEnd len="med" w="med" type="none"/>
+            <a:tailEnd len="med" w="med" type="triangle"/>
+          </a:ln>
+        </p:spPr>
+      </p:cxnSp>
+      <p:cxnSp>
+        <p:nvCxnSpPr>
+          <p:cNvPr id="115" name="Google Shape;115;p19"/>
+          <p:cNvCxnSpPr/>
+          <p:nvPr/>
+        </p:nvCxnSpPr>
+        <p:spPr>
+          <a:xfrm flipH="1">
+            <a:off x="3017550" y="3501000"/>
+            <a:ext cx="10800" cy="171000"/>
+          </a:xfrm>
+          <a:prstGeom prst="straightConnector1">
+            <a:avLst/>
+          </a:prstGeom>
+          <a:noFill/>
+          <a:ln cap="flat" cmpd="sng" w="9525">
+            <a:solidFill>
+              <a:schemeClr val="dk2"/>
+            </a:solidFill>
+            <a:prstDash val="solid"/>
+            <a:round/>
+            <a:headEnd len="med" w="med" type="none"/>
+            <a:tailEnd len="med" w="med" type="triangle"/>
+          </a:ln>
+        </p:spPr>
+      </p:cxnSp>
+    </p:spTree>
+  </p:cSld>
+  <p:clrMapOvr>
+    <a:masterClrMapping/>
+  </p:clrMapOvr>
+</p:sld>
+</file>
+
+<file path=ppt/slides/slide8.xml><?xml version="1.0" encoding="utf-8"?>
+<p:sld xmlns:a="http://schemas.openxmlformats.org/drawingml/2006/main" xmlns:r="http://schemas.openxmlformats.org/officeDocument/2006/relationships" xmlns:mc="http://schemas.openxmlformats.org/markup-compatibility/2006" xmlns:mv="urn:schemas-microsoft-com:mac:vml" xmlns:p="http://schemas.openxmlformats.org/presentationml/2006/main" xmlns:c="http://schemas.openxmlformats.org/drawingml/2006/chart" xmlns:dgm="http://schemas.openxmlformats.org/drawingml/2006/diagram" xmlns:o="urn:schemas-microsoft-com:office:office" xmlns:v="urn:schemas-microsoft-com:vml" xmlns:pvml="urn:schemas-microsoft-com:office:powerpoint" xmlns:com="http://schemas.openxmlformats.org/drawingml/2006/compatibility" xmlns:p14="http://schemas.microsoft.com/office/powerpoint/2010/main" xmlns:p15="http://schemas.microsoft.com/office/powerpoint/2012/main" xmlns:ahyp="http://schemas.microsoft.com/office/drawing/2018/hyperlinkcolor">
+  <p:cSld>
+    <p:spTree>
+      <p:nvGrpSpPr>
+        <p:cNvPr id="119" name="Shape 119"/>
+        <p:cNvGrpSpPr/>
+        <p:nvPr/>
+      </p:nvGrpSpPr>
+      <p:grpSpPr>
+        <a:xfrm>
+          <a:off x="0" y="0"/>
+          <a:ext cx="0" cy="0"/>
+          <a:chOff x="0" y="0"/>
+          <a:chExt cx="0" cy="0"/>
+        </a:xfrm>
+      </p:grpSpPr>
+      <p:sp>
+        <p:nvSpPr>
+          <p:cNvPr id="120" name="Google Shape;120;p20"/>
+          <p:cNvSpPr txBox="1"/>
+          <p:nvPr>
+            <p:ph type="title"/>
+          </p:nvPr>
+        </p:nvSpPr>
+        <p:spPr>
+          <a:xfrm>
+            <a:off x="311700" y="445025"/>
+            <a:ext cx="8520600" cy="572700"/>
+          </a:xfrm>
+          <a:prstGeom prst="rect">
+            <a:avLst/>
+          </a:prstGeom>
+        </p:spPr>
+        <p:txBody>
+          <a:bodyPr anchorCtr="0" anchor="t" bIns="91425" lIns="91425" spcFirstLastPara="1" rIns="91425" wrap="square" tIns="91425">
+            <a:normAutofit fontScale="90000"/>
+          </a:bodyPr>
+          <a:lstStyle/>
+          <a:p>
+            <a:pPr indent="0" lvl="0" marL="0" rtl="0" algn="l">
+              <a:spcBef>
+                <a:spcPts val="0"/>
+              </a:spcBef>
+              <a:spcAft>
+                <a:spcPts val="0"/>
+              </a:spcAft>
+              <a:buNone/>
+            </a:pPr>
+            <a:r>
+              <a:rPr lang="nl"/>
+              <a:t>De grote verdwijntruc</a:t>
+            </a:r>
+            <a:endParaRPr/>
+          </a:p>
+        </p:txBody>
+      </p:sp>
+      <p:sp>
+        <p:nvSpPr>
+          <p:cNvPr id="121" name="Google Shape;121;p20"/>
           <p:cNvSpPr txBox="1"/>
           <p:nvPr>
             <p:ph idx="1" type="body"/>
@@ -8502,7 +9680,7 @@
         <p:spPr>
           <a:xfrm>
             <a:off x="311700" y="1152475"/>
-            <a:ext cx="8520600" cy="3416400"/>
+            <a:ext cx="6267000" cy="3416400"/>
           </a:xfrm>
           <a:prstGeom prst="rect">
             <a:avLst/>
@@ -8510,27 +9688,28 @@
         </p:spPr>
         <p:txBody>
           <a:bodyPr anchorCtr="0" anchor="t" bIns="91425" lIns="91425" spcFirstLastPara="1" rIns="91425" wrap="square" tIns="91425">
-            <a:normAutofit lnSpcReduction="10000"/>
+            <a:normAutofit/>
           </a:bodyPr>
           <a:lstStyle/>
           <a:p>
-            <a:pPr indent="0" lvl="0" marL="0" rtl="0" algn="l">
-              <a:spcBef>
-                <a:spcPts val="0"/>
-              </a:spcBef>
-              <a:spcAft>
-                <a:spcPts val="0"/>
-              </a:spcAft>
-              <a:buNone/>
+            <a:pPr indent="-342900" lvl="0" marL="457200" rtl="0" algn="l">
+              <a:spcBef>
+                <a:spcPts val="0"/>
+              </a:spcBef>
+              <a:spcAft>
+                <a:spcPts val="0"/>
+              </a:spcAft>
+              <a:buSzPts val="1800"/>
+              <a:buChar char="●"/>
             </a:pPr>
             <a:r>
               <a:rPr lang="nl"/>
-              <a:t>Situatie: We willen een functie maken die de oppervlakte van een vierkant berekend.</a:t>
+              <a:t>Variabelen die je in een functie aanmaakt gaan na het uitvoeren weg</a:t>
             </a:r>
             <a:endParaRPr/>
           </a:p>
           <a:p>
-            <a:pPr indent="0" lvl="0" marL="0" rtl="0" algn="l">
+            <a:pPr indent="0" lvl="0" marL="457200" rtl="0" algn="l">
               <a:spcBef>
                 <a:spcPts val="1200"/>
               </a:spcBef>
@@ -8545,13 +9724,30 @@
             <a:endParaRPr/>
           </a:p>
           <a:p>
-            <a:pPr indent="0" lvl="0" marL="0" rtl="0" algn="l">
+            <a:pPr indent="-342900" lvl="0" marL="457200" rtl="0" algn="l">
               <a:spcBef>
                 <a:spcPts val="1200"/>
               </a:spcBef>
               <a:spcAft>
                 <a:spcPts val="0"/>
               </a:spcAft>
+              <a:buSzPts val="1800"/>
+              <a:buChar char="●"/>
+            </a:pPr>
+            <a:r>
+              <a:rPr lang="nl"/>
+              <a:t>Parameters bestaan buiten de functie ook niet en per function call hebben ze andere waarden</a:t>
+            </a:r>
+            <a:endParaRPr/>
+          </a:p>
+          <a:p>
+            <a:pPr indent="0" lvl="0" marL="457200" rtl="0" algn="l">
+              <a:spcBef>
+                <a:spcPts val="1200"/>
+              </a:spcBef>
+              <a:spcAft>
+                <a:spcPts val="0"/>
+              </a:spcAft>
               <a:buNone/>
             </a:pPr>
             <a:r>
@@ -8560,72 +9756,36 @@
             <a:endParaRPr/>
           </a:p>
           <a:p>
-            <a:pPr indent="0" lvl="0" marL="0" rtl="0" algn="l">
+            <a:pPr indent="-342900" lvl="0" marL="457200" rtl="0" algn="l">
               <a:spcBef>
                 <a:spcPts val="1200"/>
               </a:spcBef>
               <a:spcAft>
                 <a:spcPts val="0"/>
               </a:spcAft>
-              <a:buNone/>
-            </a:pPr>
-            <a:r>
-              <a:t/>
+              <a:buSzPts val="1800"/>
+              <a:buChar char="●"/>
+            </a:pPr>
+            <a:r>
+              <a:rPr lang="nl"/>
+              <a:t>Zonder return + opslaan in variabele doet een </a:t>
             </a:r>
             <a:endParaRPr/>
           </a:p>
           <a:p>
-            <a:pPr indent="0" lvl="0" marL="0" rtl="0" algn="l">
-              <a:spcBef>
-                <a:spcPts val="1200"/>
-              </a:spcBef>
-              <a:spcAft>
-                <a:spcPts val="0"/>
-              </a:spcAft>
-              <a:buNone/>
-            </a:pPr>
-            <a:r>
-              <a:t/>
-            </a:r>
-            <a:endParaRPr/>
-          </a:p>
-          <a:p>
-            <a:pPr indent="0" lvl="0" marL="0" rtl="0" algn="l">
-              <a:spcBef>
-                <a:spcPts val="1200"/>
-              </a:spcBef>
-              <a:spcAft>
-                <a:spcPts val="0"/>
-              </a:spcAft>
-              <a:buNone/>
-            </a:pPr>
-            <a:r>
-              <a:t/>
-            </a:r>
-            <a:endParaRPr/>
-          </a:p>
-          <a:p>
-            <a:pPr indent="0" lvl="0" marL="0" rtl="0" algn="l">
-              <a:spcBef>
-                <a:spcPts val="1200"/>
-              </a:spcBef>
-              <a:spcAft>
-                <a:spcPts val="1200"/>
-              </a:spcAft>
-              <a:buNone/>
-            </a:pPr>
-            <a:r>
-              <a:rPr lang="nl" u="sng">
-                <a:solidFill>
-                  <a:schemeClr val="hlink"/>
-                </a:solidFill>
-                <a:hlinkClick r:id="rId3"/>
-              </a:rPr>
-              <a:t>https://www.khanacademy.org/computer-programming/new/pjs</a:t>
-            </a:r>
+            <a:pPr indent="-342900" lvl="0" marL="457200" rtl="0" algn="l">
+              <a:spcBef>
+                <a:spcPts val="0"/>
+              </a:spcBef>
+              <a:spcAft>
+                <a:spcPts val="0"/>
+              </a:spcAft>
+              <a:buSzPts val="1800"/>
+              <a:buChar char="●"/>
+            </a:pPr>
             <a:r>
               <a:rPr lang="nl"/>
-              <a:t>	</a:t>
+              <a:t>functie niets opslaan</a:t>
             </a:r>
             <a:endParaRPr/>
           </a:p>
@@ -8633,7 +9793,35 @@
       </p:sp>
       <p:pic>
         <p:nvPicPr>
-          <p:cNvPr id="109" name="Google Shape;109;p20"/>
+          <p:cNvPr id="122" name="Google Shape;122;p20"/>
+          <p:cNvPicPr preferRelativeResize="0"/>
+          <p:nvPr/>
+        </p:nvPicPr>
+        <p:blipFill>
+          <a:blip r:embed="rId3">
+            <a:alphaModFix/>
+          </a:blip>
+          <a:stretch>
+            <a:fillRect/>
+          </a:stretch>
+        </p:blipFill>
+        <p:spPr>
+          <a:xfrm>
+            <a:off x="4465900" y="0"/>
+            <a:ext cx="2628900" cy="1276350"/>
+          </a:xfrm>
+          <a:prstGeom prst="rect">
+            <a:avLst/>
+          </a:prstGeom>
+          <a:noFill/>
+          <a:ln>
+            <a:noFill/>
+          </a:ln>
+        </p:spPr>
+      </p:pic>
+      <p:pic>
+        <p:nvPicPr>
+          <p:cNvPr id="123" name="Google Shape;123;p20"/>
           <p:cNvPicPr preferRelativeResize="0"/>
           <p:nvPr/>
         </p:nvPicPr>
@@ -8647,8 +9835,64 @@
         </p:blipFill>
         <p:spPr>
           <a:xfrm>
-            <a:off x="2805225" y="1747525"/>
-            <a:ext cx="3345575" cy="2226300"/>
+            <a:off x="7137575" y="972588"/>
+            <a:ext cx="2049200" cy="1043099"/>
+          </a:xfrm>
+          <a:prstGeom prst="rect">
+            <a:avLst/>
+          </a:prstGeom>
+          <a:noFill/>
+          <a:ln>
+            <a:noFill/>
+          </a:ln>
+        </p:spPr>
+      </p:pic>
+      <p:pic>
+        <p:nvPicPr>
+          <p:cNvPr id="124" name="Google Shape;124;p20"/>
+          <p:cNvPicPr preferRelativeResize="0"/>
+          <p:nvPr/>
+        </p:nvPicPr>
+        <p:blipFill>
+          <a:blip r:embed="rId5">
+            <a:alphaModFix/>
+          </a:blip>
+          <a:stretch>
+            <a:fillRect/>
+          </a:stretch>
+        </p:blipFill>
+        <p:spPr>
+          <a:xfrm>
+            <a:off x="6535925" y="2132125"/>
+            <a:ext cx="1946497" cy="1445500"/>
+          </a:xfrm>
+          <a:prstGeom prst="rect">
+            <a:avLst/>
+          </a:prstGeom>
+          <a:noFill/>
+          <a:ln>
+            <a:noFill/>
+          </a:ln>
+        </p:spPr>
+      </p:pic>
+      <p:pic>
+        <p:nvPicPr>
+          <p:cNvPr id="125" name="Google Shape;125;p20"/>
+          <p:cNvPicPr preferRelativeResize="0"/>
+          <p:nvPr/>
+        </p:nvPicPr>
+        <p:blipFill>
+          <a:blip r:embed="rId6">
+            <a:alphaModFix/>
+          </a:blip>
+          <a:stretch>
+            <a:fillRect/>
+          </a:stretch>
+        </p:blipFill>
+        <p:spPr>
+          <a:xfrm>
+            <a:off x="5749648" y="3694050"/>
+            <a:ext cx="3394350" cy="1218475"/>
           </a:xfrm>
           <a:prstGeom prst="rect">
             <a:avLst/>
@@ -8672,7 +9916,7 @@
   <p:cSld>
     <p:spTree>
       <p:nvGrpSpPr>
-        <p:cNvPr id="113" name="Shape 113"/>
+        <p:cNvPr id="129" name="Shape 129"/>
         <p:cNvGrpSpPr/>
         <p:nvPr/>
       </p:nvGrpSpPr>
@@ -8686,7 +9930,7 @@
       </p:grpSpPr>
       <p:sp>
         <p:nvSpPr>
-          <p:cNvPr id="114" name="Google Shape;114;p21"/>
+          <p:cNvPr id="130" name="Google Shape;130;p21"/>
           <p:cNvSpPr txBox="1"/>
           <p:nvPr>
             <p:ph type="title"/>
@@ -8718,7 +9962,7 @@
             </a:pPr>
             <a:r>
               <a:rPr lang="nl"/>
-              <a:t>Functie samenvatting</a:t>
+              <a:t>Globale en lokale variabelen</a:t>
             </a:r>
             <a:endParaRPr/>
           </a:p>
@@ -8726,7 +9970,7 @@
       </p:sp>
       <p:sp>
         <p:nvSpPr>
-          <p:cNvPr id="115" name="Google Shape;115;p21"/>
+          <p:cNvPr id="131" name="Google Shape;131;p21"/>
           <p:cNvSpPr txBox="1"/>
           <p:nvPr>
             <p:ph idx="1" type="body"/>
@@ -8759,14 +10003,29 @@
             </a:pPr>
             <a:r>
               <a:rPr lang="nl"/>
-              <a:t>Een functie is een stukje code met een naam die je kunt hergebruiken</a:t>
+              <a:t>Variabelen in een functie noemen we lokale variabelen, die zijn enkel toegankelijk in die functie</a:t>
             </a:r>
             <a:endParaRPr/>
           </a:p>
           <a:p>
+            <a:pPr indent="0" lvl="0" marL="0" rtl="0" algn="l">
+              <a:spcBef>
+                <a:spcPts val="1200"/>
+              </a:spcBef>
+              <a:spcAft>
+                <a:spcPts val="0"/>
+              </a:spcAft>
+              <a:buNone/>
+            </a:pPr>
+            <a:r>
+              <a:t/>
+            </a:r>
+            <a:endParaRPr/>
+          </a:p>
+          <a:p>
             <a:pPr indent="-342900" lvl="0" marL="457200" rtl="0" algn="l">
               <a:spcBef>
-                <a:spcPts val="0"/>
+                <a:spcPts val="1200"/>
               </a:spcBef>
               <a:spcAft>
                 <a:spcPts val="0"/>
@@ -8776,75 +10035,44 @@
             </a:pPr>
             <a:r>
               <a:rPr lang="nl"/>
-              <a:t>Je maakt een functie met het keyword ‘function’</a:t>
-            </a:r>
-            <a:endParaRPr/>
-          </a:p>
-          <a:p>
-            <a:pPr indent="-342900" lvl="0" marL="457200" rtl="0" algn="l">
-              <a:spcBef>
-                <a:spcPts val="0"/>
-              </a:spcBef>
-              <a:spcAft>
-                <a:spcPts val="0"/>
-              </a:spcAft>
-              <a:buSzPts val="1800"/>
-              <a:buChar char="●"/>
-            </a:pPr>
+              <a:t>Variabelen buiten een functie noemen we globale variabelen, die zijn overal </a:t>
+            </a:r>
             <a:r>
               <a:rPr lang="nl"/>
-              <a:t>Een functie heeft een naam, parameters (), en een body {}</a:t>
-            </a:r>
-            <a:endParaRPr/>
-          </a:p>
-          <a:p>
-            <a:pPr indent="-342900" lvl="0" marL="457200" rtl="0" algn="l">
-              <a:spcBef>
-                <a:spcPts val="0"/>
-              </a:spcBef>
-              <a:spcAft>
-                <a:spcPts val="0"/>
-              </a:spcAft>
-              <a:buSzPts val="1800"/>
-              <a:buChar char="●"/>
-            </a:pPr>
-            <a:r>
-              <a:rPr lang="nl"/>
-              <a:t>Een functie doet niets tot je hem aanroept, dat doe je met de naam en parameters</a:t>
-            </a:r>
-            <a:endParaRPr/>
-          </a:p>
-          <a:p>
-            <a:pPr indent="-342900" lvl="0" marL="457200" rtl="0" algn="l">
-              <a:spcBef>
-                <a:spcPts val="0"/>
-              </a:spcBef>
-              <a:spcAft>
-                <a:spcPts val="0"/>
-              </a:spcAft>
-              <a:buSzPts val="1800"/>
-              <a:buChar char="●"/>
-            </a:pPr>
-            <a:r>
-              <a:rPr lang="nl"/>
-              <a:t>Met return geeft de functie </a:t>
-            </a:r>
-            <a:r>
-              <a:rPr lang="nl"/>
-              <a:t>een</a:t>
-            </a:r>
-            <a:r>
-              <a:rPr lang="nl"/>
-              <a:t> waarde terug en daarna stopt de </a:t>
-            </a:r>
-            <a:r>
-              <a:rPr lang="nl"/>
-              <a:t>functie. Die waarde kan je opslaan in een variabele. </a:t>
+              <a:t>toegankelijk</a:t>
             </a:r>
             <a:endParaRPr/>
           </a:p>
         </p:txBody>
       </p:sp>
+      <p:pic>
+        <p:nvPicPr>
+          <p:cNvPr id="132" name="Google Shape;132;p21"/>
+          <p:cNvPicPr preferRelativeResize="0"/>
+          <p:nvPr/>
+        </p:nvPicPr>
+        <p:blipFill>
+          <a:blip r:embed="rId3">
+            <a:alphaModFix/>
+          </a:blip>
+          <a:stretch>
+            <a:fillRect/>
+          </a:stretch>
+        </p:blipFill>
+        <p:spPr>
+          <a:xfrm>
+            <a:off x="4298026" y="3030601"/>
+            <a:ext cx="4845976" cy="2112900"/>
+          </a:xfrm>
+          <a:prstGeom prst="rect">
+            <a:avLst/>
+          </a:prstGeom>
+          <a:noFill/>
+          <a:ln>
+            <a:noFill/>
+          </a:ln>
+        </p:spPr>
+      </p:pic>
     </p:spTree>
   </p:cSld>
   <p:clrMapOvr>
@@ -8854,6 +10082,285 @@
 </file>
 
 <file path=ppt/theme/theme1.xml><?xml version="1.0" encoding="utf-8"?>
+<a:theme xmlns:a="http://schemas.openxmlformats.org/drawingml/2006/main" xmlns:r="http://schemas.openxmlformats.org/officeDocument/2006/relationships" name="Simple Light">
+  <a:themeElements>
+    <a:clrScheme name="Simple Light">
+      <a:dk1>
+        <a:srgbClr val="000000"/>
+      </a:dk1>
+      <a:lt1>
+        <a:srgbClr val="FFFFFF"/>
+      </a:lt1>
+      <a:dk2>
+        <a:srgbClr val="595959"/>
+      </a:dk2>
+      <a:lt2>
+        <a:srgbClr val="EEEEEE"/>
+      </a:lt2>
+      <a:accent1>
+        <a:srgbClr val="4285F4"/>
+      </a:accent1>
+      <a:accent2>
+        <a:srgbClr val="212121"/>
+      </a:accent2>
+      <a:accent3>
+        <a:srgbClr val="78909C"/>
+      </a:accent3>
+      <a:accent4>
+        <a:srgbClr val="FFAB40"/>
+      </a:accent4>
+      <a:accent5>
+        <a:srgbClr val="0097A7"/>
+      </a:accent5>
+      <a:accent6>
+        <a:srgbClr val="EEFF41"/>
+      </a:accent6>
+      <a:hlink>
+        <a:srgbClr val="0097A7"/>
+      </a:hlink>
+      <a:folHlink>
+        <a:srgbClr val="0097A7"/>
+      </a:folHlink>
+    </a:clrScheme>
+    <a:fontScheme name="Office">
+      <a:majorFont>
+        <a:latin typeface="Arial"/>
+        <a:ea typeface=""/>
+        <a:cs typeface=""/>
+        <a:font script="Jpan" typeface="ＭＳ Ｐゴシック"/>
+        <a:font script="Hang" typeface="맑은 고딕"/>
+        <a:font script="Hans" typeface="宋体"/>
+        <a:font script="Hant" typeface="新細明體"/>
+        <a:font script="Arab" typeface="Times New Roman"/>
+        <a:font script="Hebr" typeface="Times New Roman"/>
+        <a:font script="Thai" typeface="Angsana New"/>
+        <a:font script="Ethi" typeface="Nyala"/>
+        <a:font script="Beng" typeface="Vrinda"/>
+        <a:font script="Gujr" typeface="Shruti"/>
+        <a:font script="Khmr" typeface="MoolBoran"/>
+        <a:font script="Knda" typeface="Tunga"/>
+        <a:font script="Guru" typeface="Raavi"/>
+        <a:font script="Cans" typeface="Euphemia"/>
+        <a:font script="Cher" typeface="Plantagenet Cherokee"/>
+        <a:font script="Yiii" typeface="Microsoft Yi Baiti"/>
+        <a:font script="Tibt" typeface="Microsoft Himalaya"/>
+        <a:font script="Thaa" typeface="MV Boli"/>
+        <a:font script="Deva" typeface="Mangal"/>
+        <a:font script="Telu" typeface="Gautami"/>
+        <a:font script="Taml" typeface="Latha"/>
+        <a:font script="Syrc" typeface="Estrangelo Edessa"/>
+        <a:font script="Orya" typeface="Kalinga"/>
+        <a:font script="Mlym" typeface="Kartika"/>
+        <a:font script="Laoo" typeface="DokChampa"/>
+        <a:font script="Sinh" typeface="Iskoola Pota"/>
+        <a:font script="Mong" typeface="Mongolian Baiti"/>
+        <a:font script="Viet" typeface="Times New Roman"/>
+        <a:font script="Uigh" typeface="Microsoft Uighur"/>
+        <a:font script="Geor" typeface="Sylfaen"/>
+      </a:majorFont>
+      <a:minorFont>
+        <a:latin typeface="Arial"/>
+        <a:ea typeface=""/>
+        <a:cs typeface=""/>
+        <a:font script="Jpan" typeface="ＭＳ Ｐゴシック"/>
+        <a:font script="Hang" typeface="맑은 고딕"/>
+        <a:font script="Hans" typeface="宋体"/>
+        <a:font script="Hant" typeface="新細明體"/>
+        <a:font script="Arab" typeface="Arial"/>
+        <a:font script="Hebr" typeface="Arial"/>
+        <a:font script="Thai" typeface="Cordia New"/>
+        <a:font script="Ethi" typeface="Nyala"/>
+        <a:font script="Beng" typeface="Vrinda"/>
+        <a:font script="Gujr" typeface="Shruti"/>
+        <a:font script="Khmr" typeface="DaunPenh"/>
+        <a:font script="Knda" typeface="Tunga"/>
+        <a:font script="Guru" typeface="Raavi"/>
+        <a:font script="Cans" typeface="Euphemia"/>
+        <a:font script="Cher" typeface="Plantagenet Cherokee"/>
+        <a:font script="Yiii" typeface="Microsoft Yi Baiti"/>
+        <a:font script="Tibt" typeface="Microsoft Himalaya"/>
+        <a:font script="Thaa" typeface="MV Boli"/>
+        <a:font script="Deva" typeface="Mangal"/>
+        <a:font script="Telu" typeface="Gautami"/>
+        <a:font script="Taml" typeface="Latha"/>
+        <a:font script="Syrc" typeface="Estrangelo Edessa"/>
+        <a:font script="Orya" typeface="Kalinga"/>
+        <a:font script="Mlym" typeface="Kartika"/>
+        <a:font script="Laoo" typeface="DokChampa"/>
+        <a:font script="Sinh" typeface="Iskoola Pota"/>
+        <a:font script="Mong" typeface="Mongolian Baiti"/>
+        <a:font script="Viet" typeface="Arial"/>
+        <a:font script="Uigh" typeface="Microsoft Uighur"/>
+        <a:font script="Geor" typeface="Sylfaen"/>
+      </a:minorFont>
+    </a:fontScheme>
+    <a:fmtScheme name="Office">
+      <a:fillStyleLst>
+        <a:solidFill>
+          <a:schemeClr val="phClr"/>
+        </a:solidFill>
+        <a:gradFill rotWithShape="1">
+          <a:gsLst>
+            <a:gs pos="0">
+              <a:schemeClr val="phClr">
+                <a:tint val="50000"/>
+                <a:satMod val="300000"/>
+              </a:schemeClr>
+            </a:gs>
+            <a:gs pos="35000">
+              <a:schemeClr val="phClr">
+                <a:tint val="37000"/>
+                <a:satMod val="300000"/>
+              </a:schemeClr>
+            </a:gs>
+            <a:gs pos="100000">
+              <a:schemeClr val="phClr">
+                <a:tint val="15000"/>
+                <a:satMod val="350000"/>
+              </a:schemeClr>
+            </a:gs>
+          </a:gsLst>
+          <a:lin ang="16200000" scaled="1"/>
+        </a:gradFill>
+        <a:gradFill rotWithShape="1">
+          <a:gsLst>
+            <a:gs pos="0">
+              <a:schemeClr val="phClr">
+                <a:tint val="100000"/>
+                <a:shade val="100000"/>
+                <a:satMod val="130000"/>
+              </a:schemeClr>
+            </a:gs>
+            <a:gs pos="100000">
+              <a:schemeClr val="phClr">
+                <a:tint val="50000"/>
+                <a:shade val="100000"/>
+                <a:satMod val="350000"/>
+              </a:schemeClr>
+            </a:gs>
+          </a:gsLst>
+          <a:lin ang="16200000" scaled="0"/>
+        </a:gradFill>
+      </a:fillStyleLst>
+      <a:lnStyleLst>
+        <a:ln w="9525" cap="flat" cmpd="sng" algn="ctr">
+          <a:solidFill>
+            <a:schemeClr val="phClr">
+              <a:shade val="95000"/>
+              <a:satMod val="105000"/>
+            </a:schemeClr>
+          </a:solidFill>
+          <a:prstDash val="solid"/>
+        </a:ln>
+        <a:ln w="25400" cap="flat" cmpd="sng" algn="ctr">
+          <a:solidFill>
+            <a:schemeClr val="phClr"/>
+          </a:solidFill>
+          <a:prstDash val="solid"/>
+        </a:ln>
+        <a:ln w="38100" cap="flat" cmpd="sng" algn="ctr">
+          <a:solidFill>
+            <a:schemeClr val="phClr"/>
+          </a:solidFill>
+          <a:prstDash val="solid"/>
+        </a:ln>
+      </a:lnStyleLst>
+      <a:effectStyleLst>
+        <a:effectStyle>
+          <a:effectLst>
+            <a:outerShdw blurRad="40000" dist="20000" dir="5400000" rotWithShape="0">
+              <a:srgbClr val="000000">
+                <a:alpha val="38000"/>
+              </a:srgbClr>
+            </a:outerShdw>
+          </a:effectLst>
+        </a:effectStyle>
+        <a:effectStyle>
+          <a:effectLst>
+            <a:outerShdw blurRad="40000" dist="23000" dir="5400000" rotWithShape="0">
+              <a:srgbClr val="000000">
+                <a:alpha val="35000"/>
+              </a:srgbClr>
+            </a:outerShdw>
+          </a:effectLst>
+        </a:effectStyle>
+        <a:effectStyle>
+          <a:effectLst>
+            <a:outerShdw blurRad="40000" dist="23000" dir="5400000" rotWithShape="0">
+              <a:srgbClr val="000000">
+                <a:alpha val="35000"/>
+              </a:srgbClr>
+            </a:outerShdw>
+          </a:effectLst>
+          <a:scene3d>
+            <a:camera prst="orthographicFront">
+              <a:rot lat="0" lon="0" rev="0"/>
+            </a:camera>
+            <a:lightRig rig="threePt" dir="t">
+              <a:rot lat="0" lon="0" rev="1200000"/>
+            </a:lightRig>
+          </a:scene3d>
+          <a:sp3d>
+            <a:bevelT w="63500" h="25400"/>
+          </a:sp3d>
+        </a:effectStyle>
+      </a:effectStyleLst>
+      <a:bgFillStyleLst>
+        <a:solidFill>
+          <a:schemeClr val="phClr"/>
+        </a:solidFill>
+        <a:gradFill rotWithShape="1">
+          <a:gsLst>
+            <a:gs pos="0">
+              <a:schemeClr val="phClr">
+                <a:tint val="40000"/>
+                <a:satMod val="350000"/>
+              </a:schemeClr>
+            </a:gs>
+            <a:gs pos="40000">
+              <a:schemeClr val="phClr">
+                <a:tint val="45000"/>
+                <a:shade val="99000"/>
+                <a:satMod val="350000"/>
+              </a:schemeClr>
+            </a:gs>
+            <a:gs pos="100000">
+              <a:schemeClr val="phClr">
+                <a:shade val="20000"/>
+                <a:satMod val="255000"/>
+              </a:schemeClr>
+            </a:gs>
+          </a:gsLst>
+          <a:path path="circle">
+            <a:fillToRect l="50000" t="-80000" r="50000" b="180000"/>
+          </a:path>
+        </a:gradFill>
+        <a:gradFill rotWithShape="1">
+          <a:gsLst>
+            <a:gs pos="0">
+              <a:schemeClr val="phClr">
+                <a:tint val="80000"/>
+                <a:satMod val="300000"/>
+              </a:schemeClr>
+            </a:gs>
+            <a:gs pos="100000">
+              <a:schemeClr val="phClr">
+                <a:shade val="30000"/>
+                <a:satMod val="200000"/>
+              </a:schemeClr>
+            </a:gs>
+          </a:gsLst>
+          <a:path path="circle">
+            <a:fillToRect l="50000" t="50000" r="50000" b="50000"/>
+          </a:path>
+        </a:gradFill>
+      </a:bgFillStyleLst>
+    </a:fmtScheme>
+  </a:themeElements>
+</a:theme>
+</file>
+
+<file path=ppt/theme/theme2.xml><?xml version="1.0" encoding="utf-8"?>
 <a:theme xmlns:a="http://schemas.openxmlformats.org/drawingml/2006/main" xmlns:r="http://schemas.openxmlformats.org/officeDocument/2006/relationships">
   <a:themeElements>
     <a:clrScheme name="Default">
@@ -9130,283 +10637,4 @@
     </a:fmtScheme>
   </a:themeElements>
 </a:theme>
-</file>
-
-<file path=ppt/theme/theme2.xml><?xml version="1.0" encoding="utf-8"?>
-<a:theme xmlns:a="http://schemas.openxmlformats.org/drawingml/2006/main" xmlns:r="http://schemas.openxmlformats.org/officeDocument/2006/relationships" name="Simple Light">
-  <a:themeElements>
-    <a:clrScheme name="Simple Light">
-      <a:dk1>
-        <a:srgbClr val="000000"/>
-      </a:dk1>
-      <a:lt1>
-        <a:srgbClr val="FFFFFF"/>
-      </a:lt1>
-      <a:dk2>
-        <a:srgbClr val="595959"/>
-      </a:dk2>
-      <a:lt2>
-        <a:srgbClr val="EEEEEE"/>
-      </a:lt2>
-      <a:accent1>
-        <a:srgbClr val="4285F4"/>
-      </a:accent1>
-      <a:accent2>
-        <a:srgbClr val="212121"/>
-      </a:accent2>
-      <a:accent3>
-        <a:srgbClr val="78909C"/>
-      </a:accent3>
-      <a:accent4>
-        <a:srgbClr val="FFAB40"/>
-      </a:accent4>
-      <a:accent5>
-        <a:srgbClr val="0097A7"/>
-      </a:accent5>
-      <a:accent6>
-        <a:srgbClr val="EEFF41"/>
-      </a:accent6>
-      <a:hlink>
-        <a:srgbClr val="0097A7"/>
-      </a:hlink>
-      <a:folHlink>
-        <a:srgbClr val="0097A7"/>
-      </a:folHlink>
-    </a:clrScheme>
-    <a:fontScheme name="Office">
-      <a:majorFont>
-        <a:latin typeface="Arial"/>
-        <a:ea typeface=""/>
-        <a:cs typeface=""/>
-        <a:font script="Jpan" typeface="ＭＳ Ｐゴシック"/>
-        <a:font script="Hang" typeface="맑은 고딕"/>
-        <a:font script="Hans" typeface="宋体"/>
-        <a:font script="Hant" typeface="新細明體"/>
-        <a:font script="Arab" typeface="Times New Roman"/>
-        <a:font script="Hebr" typeface="Times New Roman"/>
-        <a:font script="Thai" typeface="Angsana New"/>
-        <a:font script="Ethi" typeface="Nyala"/>
-        <a:font script="Beng" typeface="Vrinda"/>
-        <a:font script="Gujr" typeface="Shruti"/>
-        <a:font script="Khmr" typeface="MoolBoran"/>
-        <a:font script="Knda" typeface="Tunga"/>
-        <a:font script="Guru" typeface="Raavi"/>
-        <a:font script="Cans" typeface="Euphemia"/>
-        <a:font script="Cher" typeface="Plantagenet Cherokee"/>
-        <a:font script="Yiii" typeface="Microsoft Yi Baiti"/>
-        <a:font script="Tibt" typeface="Microsoft Himalaya"/>
-        <a:font script="Thaa" typeface="MV Boli"/>
-        <a:font script="Deva" typeface="Mangal"/>
-        <a:font script="Telu" typeface="Gautami"/>
-        <a:font script="Taml" typeface="Latha"/>
-        <a:font script="Syrc" typeface="Estrangelo Edessa"/>
-        <a:font script="Orya" typeface="Kalinga"/>
-        <a:font script="Mlym" typeface="Kartika"/>
-        <a:font script="Laoo" typeface="DokChampa"/>
-        <a:font script="Sinh" typeface="Iskoola Pota"/>
-        <a:font script="Mong" typeface="Mongolian Baiti"/>
-        <a:font script="Viet" typeface="Times New Roman"/>
-        <a:font script="Uigh" typeface="Microsoft Uighur"/>
-        <a:font script="Geor" typeface="Sylfaen"/>
-      </a:majorFont>
-      <a:minorFont>
-        <a:latin typeface="Arial"/>
-        <a:ea typeface=""/>
-        <a:cs typeface=""/>
-        <a:font script="Jpan" typeface="ＭＳ Ｐゴシック"/>
-        <a:font script="Hang" typeface="맑은 고딕"/>
-        <a:font script="Hans" typeface="宋体"/>
-        <a:font script="Hant" typeface="新細明體"/>
-        <a:font script="Arab" typeface="Arial"/>
-        <a:font script="Hebr" typeface="Arial"/>
-        <a:font script="Thai" typeface="Cordia New"/>
-        <a:font script="Ethi" typeface="Nyala"/>
-        <a:font script="Beng" typeface="Vrinda"/>
-        <a:font script="Gujr" typeface="Shruti"/>
-        <a:font script="Khmr" typeface="DaunPenh"/>
-        <a:font script="Knda" typeface="Tunga"/>
-        <a:font script="Guru" typeface="Raavi"/>
-        <a:font script="Cans" typeface="Euphemia"/>
-        <a:font script="Cher" typeface="Plantagenet Cherokee"/>
-        <a:font script="Yiii" typeface="Microsoft Yi Baiti"/>
-        <a:font script="Tibt" typeface="Microsoft Himalaya"/>
-        <a:font script="Thaa" typeface="MV Boli"/>
-        <a:font script="Deva" typeface="Mangal"/>
-        <a:font script="Telu" typeface="Gautami"/>
-        <a:font script="Taml" typeface="Latha"/>
-        <a:font script="Syrc" typeface="Estrangelo Edessa"/>
-        <a:font script="Orya" typeface="Kalinga"/>
-        <a:font script="Mlym" typeface="Kartika"/>
-        <a:font script="Laoo" typeface="DokChampa"/>
-        <a:font script="Sinh" typeface="Iskoola Pota"/>
-        <a:font script="Mong" typeface="Mongolian Baiti"/>
-        <a:font script="Viet" typeface="Arial"/>
-        <a:font script="Uigh" typeface="Microsoft Uighur"/>
-        <a:font script="Geor" typeface="Sylfaen"/>
-      </a:minorFont>
-    </a:fontScheme>
-    <a:fmtScheme name="Office">
-      <a:fillStyleLst>
-        <a:solidFill>
-          <a:schemeClr val="phClr"/>
-        </a:solidFill>
-        <a:gradFill rotWithShape="1">
-          <a:gsLst>
-            <a:gs pos="0">
-              <a:schemeClr val="phClr">
-                <a:tint val="50000"/>
-                <a:satMod val="300000"/>
-              </a:schemeClr>
-            </a:gs>
-            <a:gs pos="35000">
-              <a:schemeClr val="phClr">
-                <a:tint val="37000"/>
-                <a:satMod val="300000"/>
-              </a:schemeClr>
-            </a:gs>
-            <a:gs pos="100000">
-              <a:schemeClr val="phClr">
-                <a:tint val="15000"/>
-                <a:satMod val="350000"/>
-              </a:schemeClr>
-            </a:gs>
-          </a:gsLst>
-          <a:lin ang="16200000" scaled="1"/>
-        </a:gradFill>
-        <a:gradFill rotWithShape="1">
-          <a:gsLst>
-            <a:gs pos="0">
-              <a:schemeClr val="phClr">
-                <a:tint val="100000"/>
-                <a:shade val="100000"/>
-                <a:satMod val="130000"/>
-              </a:schemeClr>
-            </a:gs>
-            <a:gs pos="100000">
-              <a:schemeClr val="phClr">
-                <a:tint val="50000"/>
-                <a:shade val="100000"/>
-                <a:satMod val="350000"/>
-              </a:schemeClr>
-            </a:gs>
-          </a:gsLst>
-          <a:lin ang="16200000" scaled="0"/>
-        </a:gradFill>
-      </a:fillStyleLst>
-      <a:lnStyleLst>
-        <a:ln w="9525" cap="flat" cmpd="sng" algn="ctr">
-          <a:solidFill>
-            <a:schemeClr val="phClr">
-              <a:shade val="95000"/>
-              <a:satMod val="105000"/>
-            </a:schemeClr>
-          </a:solidFill>
-          <a:prstDash val="solid"/>
-        </a:ln>
-        <a:ln w="25400" cap="flat" cmpd="sng" algn="ctr">
-          <a:solidFill>
-            <a:schemeClr val="phClr"/>
-          </a:solidFill>
-          <a:prstDash val="solid"/>
-        </a:ln>
-        <a:ln w="38100" cap="flat" cmpd="sng" algn="ctr">
-          <a:solidFill>
-            <a:schemeClr val="phClr"/>
-          </a:solidFill>
-          <a:prstDash val="solid"/>
-        </a:ln>
-      </a:lnStyleLst>
-      <a:effectStyleLst>
-        <a:effectStyle>
-          <a:effectLst>
-            <a:outerShdw blurRad="40000" dist="20000" dir="5400000" rotWithShape="0">
-              <a:srgbClr val="000000">
-                <a:alpha val="38000"/>
-              </a:srgbClr>
-            </a:outerShdw>
-          </a:effectLst>
-        </a:effectStyle>
-        <a:effectStyle>
-          <a:effectLst>
-            <a:outerShdw blurRad="40000" dist="23000" dir="5400000" rotWithShape="0">
-              <a:srgbClr val="000000">
-                <a:alpha val="35000"/>
-              </a:srgbClr>
-            </a:outerShdw>
-          </a:effectLst>
-        </a:effectStyle>
-        <a:effectStyle>
-          <a:effectLst>
-            <a:outerShdw blurRad="40000" dist="23000" dir="5400000" rotWithShape="0">
-              <a:srgbClr val="000000">
-                <a:alpha val="35000"/>
-              </a:srgbClr>
-            </a:outerShdw>
-          </a:effectLst>
-          <a:scene3d>
-            <a:camera prst="orthographicFront">
-              <a:rot lat="0" lon="0" rev="0"/>
-            </a:camera>
-            <a:lightRig rig="threePt" dir="t">
-              <a:rot lat="0" lon="0" rev="1200000"/>
-            </a:lightRig>
-          </a:scene3d>
-          <a:sp3d>
-            <a:bevelT w="63500" h="25400"/>
-          </a:sp3d>
-        </a:effectStyle>
-      </a:effectStyleLst>
-      <a:bgFillStyleLst>
-        <a:solidFill>
-          <a:schemeClr val="phClr"/>
-        </a:solidFill>
-        <a:gradFill rotWithShape="1">
-          <a:gsLst>
-            <a:gs pos="0">
-              <a:schemeClr val="phClr">
-                <a:tint val="40000"/>
-                <a:satMod val="350000"/>
-              </a:schemeClr>
-            </a:gs>
-            <a:gs pos="40000">
-              <a:schemeClr val="phClr">
-                <a:tint val="45000"/>
-                <a:shade val="99000"/>
-                <a:satMod val="350000"/>
-              </a:schemeClr>
-            </a:gs>
-            <a:gs pos="100000">
-              <a:schemeClr val="phClr">
-                <a:shade val="20000"/>
-                <a:satMod val="255000"/>
-              </a:schemeClr>
-            </a:gs>
-          </a:gsLst>
-          <a:path path="circle">
-            <a:fillToRect l="50000" t="-80000" r="50000" b="180000"/>
-          </a:path>
-        </a:gradFill>
-        <a:gradFill rotWithShape="1">
-          <a:gsLst>
-            <a:gs pos="0">
-              <a:schemeClr val="phClr">
-                <a:tint val="80000"/>
-                <a:satMod val="300000"/>
-              </a:schemeClr>
-            </a:gs>
-            <a:gs pos="100000">
-              <a:schemeClr val="phClr">
-                <a:shade val="30000"/>
-                <a:satMod val="200000"/>
-              </a:schemeClr>
-            </a:gs>
-          </a:gsLst>
-          <a:path path="circle">
-            <a:fillToRect l="50000" t="50000" r="50000" b="50000"/>
-          </a:path>
-        </a:gradFill>
-      </a:bgFillStyleLst>
-    </a:fmtScheme>
-  </a:themeElements>
-</a:theme>
 </file>